--- a/presentation/Product review analysis.pptx
+++ b/presentation/Product review analysis.pptx
@@ -8,7 +8,9 @@
     <p:sldId id="256" r:id="rId2"/>
     <p:sldId id="257" r:id="rId3"/>
     <p:sldId id="258" r:id="rId4"/>
-    <p:sldId id="259" r:id="rId5"/>
+    <p:sldId id="262" r:id="rId5"/>
+    <p:sldId id="263" r:id="rId6"/>
+    <p:sldId id="259" r:id="rId7"/>
   </p:sldIdLst>
   <p:sldSz cx="12192000" cy="6858000"/>
   <p:notesSz cx="6858000" cy="9144000"/>
@@ -121,6 +123,12 @@
             <p14:sldId id="258"/>
           </p14:sldIdLst>
         </p14:section>
+        <p14:section name="Questions" id="{7CC82DCD-DF74-433A-BE87-8D5BF39FE32A}">
+          <p14:sldIdLst>
+            <p14:sldId id="262"/>
+            <p14:sldId id="263"/>
+          </p14:sldIdLst>
+        </p14:section>
         <p14:section name="Technical design choice" id="{E9A13B69-8630-4561-BE0C-127A8A63608C}">
           <p14:sldIdLst>
             <p14:sldId id="259"/>
@@ -266,7 +274,7 @@
           <a:p>
             <a:fld id="{8ED3A66F-EF0C-4060-95B3-50E7476DC954}" type="datetimeFigureOut">
               <a:rPr lang="nl-NL" smtClean="0"/>
-              <a:t>7-9-2017</a:t>
+              <a:t>9-9-2017</a:t>
             </a:fld>
             <a:endParaRPr lang="nl-NL"/>
           </a:p>
@@ -436,7 +444,7 @@
           <a:p>
             <a:fld id="{8ED3A66F-EF0C-4060-95B3-50E7476DC954}" type="datetimeFigureOut">
               <a:rPr lang="nl-NL" smtClean="0"/>
-              <a:t>7-9-2017</a:t>
+              <a:t>9-9-2017</a:t>
             </a:fld>
             <a:endParaRPr lang="nl-NL"/>
           </a:p>
@@ -616,7 +624,7 @@
           <a:p>
             <a:fld id="{8ED3A66F-EF0C-4060-95B3-50E7476DC954}" type="datetimeFigureOut">
               <a:rPr lang="nl-NL" smtClean="0"/>
-              <a:t>7-9-2017</a:t>
+              <a:t>9-9-2017</a:t>
             </a:fld>
             <a:endParaRPr lang="nl-NL"/>
           </a:p>
@@ -786,7 +794,7 @@
           <a:p>
             <a:fld id="{8ED3A66F-EF0C-4060-95B3-50E7476DC954}" type="datetimeFigureOut">
               <a:rPr lang="nl-NL" smtClean="0"/>
-              <a:t>7-9-2017</a:t>
+              <a:t>9-9-2017</a:t>
             </a:fld>
             <a:endParaRPr lang="nl-NL"/>
           </a:p>
@@ -1032,7 +1040,7 @@
           <a:p>
             <a:fld id="{8ED3A66F-EF0C-4060-95B3-50E7476DC954}" type="datetimeFigureOut">
               <a:rPr lang="nl-NL" smtClean="0"/>
-              <a:t>7-9-2017</a:t>
+              <a:t>9-9-2017</a:t>
             </a:fld>
             <a:endParaRPr lang="nl-NL"/>
           </a:p>
@@ -1264,7 +1272,7 @@
           <a:p>
             <a:fld id="{8ED3A66F-EF0C-4060-95B3-50E7476DC954}" type="datetimeFigureOut">
               <a:rPr lang="nl-NL" smtClean="0"/>
-              <a:t>7-9-2017</a:t>
+              <a:t>9-9-2017</a:t>
             </a:fld>
             <a:endParaRPr lang="nl-NL"/>
           </a:p>
@@ -1631,7 +1639,7 @@
           <a:p>
             <a:fld id="{8ED3A66F-EF0C-4060-95B3-50E7476DC954}" type="datetimeFigureOut">
               <a:rPr lang="nl-NL" smtClean="0"/>
-              <a:t>7-9-2017</a:t>
+              <a:t>9-9-2017</a:t>
             </a:fld>
             <a:endParaRPr lang="nl-NL"/>
           </a:p>
@@ -1749,7 +1757,7 @@
           <a:p>
             <a:fld id="{8ED3A66F-EF0C-4060-95B3-50E7476DC954}" type="datetimeFigureOut">
               <a:rPr lang="nl-NL" smtClean="0"/>
-              <a:t>7-9-2017</a:t>
+              <a:t>9-9-2017</a:t>
             </a:fld>
             <a:endParaRPr lang="nl-NL"/>
           </a:p>
@@ -1844,7 +1852,7 @@
           <a:p>
             <a:fld id="{8ED3A66F-EF0C-4060-95B3-50E7476DC954}" type="datetimeFigureOut">
               <a:rPr lang="nl-NL" smtClean="0"/>
-              <a:t>7-9-2017</a:t>
+              <a:t>9-9-2017</a:t>
             </a:fld>
             <a:endParaRPr lang="nl-NL"/>
           </a:p>
@@ -2121,7 +2129,7 @@
           <a:p>
             <a:fld id="{8ED3A66F-EF0C-4060-95B3-50E7476DC954}" type="datetimeFigureOut">
               <a:rPr lang="nl-NL" smtClean="0"/>
-              <a:t>7-9-2017</a:t>
+              <a:t>9-9-2017</a:t>
             </a:fld>
             <a:endParaRPr lang="nl-NL"/>
           </a:p>
@@ -2374,7 +2382,7 @@
           <a:p>
             <a:fld id="{8ED3A66F-EF0C-4060-95B3-50E7476DC954}" type="datetimeFigureOut">
               <a:rPr lang="nl-NL" smtClean="0"/>
-              <a:t>7-9-2017</a:t>
+              <a:t>9-9-2017</a:t>
             </a:fld>
             <a:endParaRPr lang="nl-NL"/>
           </a:p>
@@ -2587,7 +2595,7 @@
           <a:p>
             <a:fld id="{8ED3A66F-EF0C-4060-95B3-50E7476DC954}" type="datetimeFigureOut">
               <a:rPr lang="nl-NL" smtClean="0"/>
-              <a:t>7-9-2017</a:t>
+              <a:t>9-9-2017</a:t>
             </a:fld>
             <a:endParaRPr lang="nl-NL"/>
           </a:p>
@@ -3420,7 +3428,7 @@
             <p:ph idx="1"/>
             <p:extLst>
               <p:ext uri="{D42A27DB-BD31-4B8C-83A1-F6EECF244321}">
-                <p14:modId xmlns:p14="http://schemas.microsoft.com/office/powerpoint/2010/main" val="3770208108"/>
+                <p14:modId xmlns:p14="http://schemas.microsoft.com/office/powerpoint/2010/main" val="3698093441"/>
               </p:ext>
             </p:extLst>
           </p:nvPr>
@@ -3436,8 +3444,9 @@
                 <a:tableStyleId>{69012ECD-51FC-41F1-AA8D-1B2483CD663E}</a:tableStyleId>
               </a:tblPr>
               <a:tblGrid>
-                <a:gridCol w="5257800"/>
-                <a:gridCol w="5257800"/>
+                <a:gridCol w="5978979"/>
+                <a:gridCol w="2310492"/>
+                <a:gridCol w="2226129"/>
               </a:tblGrid>
               <a:tr h="370840">
                 <a:tc>
@@ -3462,6 +3471,20 @@
                       <a:r>
                         <a:rPr lang="en-US" sz="1200" dirty="0" smtClean="0"/>
                         <a:t>Dataset</a:t>
+                      </a:r>
+                      <a:endParaRPr lang="nl-NL" sz="1200" dirty="0"/>
+                    </a:p>
+                  </a:txBody>
+                  <a:tcPr/>
+                </a:tc>
+                <a:tc>
+                  <a:txBody>
+                    <a:bodyPr/>
+                    <a:lstStyle/>
+                    <a:p>
+                      <a:r>
+                        <a:rPr lang="en-US" sz="1200" dirty="0" smtClean="0"/>
+                        <a:t>Check</a:t>
                       </a:r>
                       <a:endParaRPr lang="nl-NL" sz="1200" dirty="0"/>
                     </a:p>
@@ -3497,6 +3520,16 @@
                   </a:txBody>
                   <a:tcPr/>
                 </a:tc>
+                <a:tc>
+                  <a:txBody>
+                    <a:bodyPr/>
+                    <a:lstStyle/>
+                    <a:p>
+                      <a:endParaRPr lang="nl-NL" sz="1200" dirty="0"/>
+                    </a:p>
+                  </a:txBody>
+                  <a:tcPr/>
+                </a:tc>
               </a:tr>
               <a:tr h="370840">
                 <a:tc>
@@ -3520,6 +3553,20 @@
                       <a:r>
                         <a:rPr lang="en-US" sz="1200" dirty="0" smtClean="0"/>
                         <a:t>Review</a:t>
+                      </a:r>
+                      <a:endParaRPr lang="nl-NL" sz="1200" dirty="0"/>
+                    </a:p>
+                  </a:txBody>
+                  <a:tcPr/>
+                </a:tc>
+                <a:tc>
+                  <a:txBody>
+                    <a:bodyPr/>
+                    <a:lstStyle/>
+                    <a:p>
+                      <a:r>
+                        <a:rPr lang="en-US" sz="1200" dirty="0" smtClean="0"/>
+                        <a:t>Yes</a:t>
                       </a:r>
                       <a:endParaRPr lang="nl-NL" sz="1200" dirty="0"/>
                     </a:p>
@@ -3555,6 +3602,16 @@
                   </a:txBody>
                   <a:tcPr/>
                 </a:tc>
+                <a:tc>
+                  <a:txBody>
+                    <a:bodyPr/>
+                    <a:lstStyle/>
+                    <a:p>
+                      <a:endParaRPr lang="nl-NL" sz="1200" dirty="0"/>
+                    </a:p>
+                  </a:txBody>
+                  <a:tcPr/>
+                </a:tc>
               </a:tr>
               <a:tr h="370840">
                 <a:tc>
@@ -3585,6 +3642,20 @@
                   </a:txBody>
                   <a:tcPr/>
                 </a:tc>
+                <a:tc>
+                  <a:txBody>
+                    <a:bodyPr/>
+                    <a:lstStyle/>
+                    <a:p>
+                      <a:r>
+                        <a:rPr lang="en-US" sz="1200" dirty="0" smtClean="0"/>
+                        <a:t>Yes</a:t>
+                      </a:r>
+                      <a:endParaRPr lang="nl-NL" sz="1200" dirty="0"/>
+                    </a:p>
+                  </a:txBody>
+                  <a:tcPr/>
+                </a:tc>
               </a:tr>
               <a:tr h="370840">
                 <a:tc>
@@ -3596,6 +3667,16 @@
                         <a:rPr lang="en-US" sz="1200" dirty="0" smtClean="0"/>
                         <a:t>Optional - any other hypothesis you think is interesting, as long it would have business value for Amazon</a:t>
                       </a:r>
+                      <a:endParaRPr lang="nl-NL" sz="1200" dirty="0"/>
+                    </a:p>
+                  </a:txBody>
+                  <a:tcPr/>
+                </a:tc>
+                <a:tc>
+                  <a:txBody>
+                    <a:bodyPr/>
+                    <a:lstStyle/>
+                    <a:p>
                       <a:endParaRPr lang="nl-NL" sz="1200" dirty="0"/>
                     </a:p>
                   </a:txBody>
@@ -3630,6 +3711,197 @@
 </file>
 
 <file path=ppt/slides/slide4.xml><?xml version="1.0" encoding="utf-8"?>
+<p:sld xmlns:a="http://schemas.openxmlformats.org/drawingml/2006/main" xmlns:r="http://schemas.openxmlformats.org/officeDocument/2006/relationships" xmlns:p="http://schemas.openxmlformats.org/presentationml/2006/main">
+  <p:cSld>
+    <p:spTree>
+      <p:nvGrpSpPr>
+        <p:cNvPr id="1" name=""/>
+        <p:cNvGrpSpPr/>
+        <p:nvPr/>
+      </p:nvGrpSpPr>
+      <p:grpSpPr>
+        <a:xfrm>
+          <a:off x="0" y="0"/>
+          <a:ext cx="0" cy="0"/>
+          <a:chOff x="0" y="0"/>
+          <a:chExt cx="0" cy="0"/>
+        </a:xfrm>
+      </p:grpSpPr>
+      <p:sp>
+        <p:nvSpPr>
+          <p:cNvPr id="2" name="Title 1"/>
+          <p:cNvSpPr>
+            <a:spLocks noGrp="1"/>
+          </p:cNvSpPr>
+          <p:nvPr>
+            <p:ph type="title"/>
+          </p:nvPr>
+        </p:nvSpPr>
+        <p:spPr/>
+        <p:txBody>
+          <a:bodyPr/>
+          <a:lstStyle/>
+          <a:p>
+            <a:r>
+              <a:rPr lang="en-US" dirty="0" smtClean="0"/>
+              <a:t>Relationship between review and price</a:t>
+            </a:r>
+            <a:endParaRPr lang="nl-NL" dirty="0"/>
+          </a:p>
+        </p:txBody>
+      </p:sp>
+      <p:sp>
+        <p:nvSpPr>
+          <p:cNvPr id="3" name="Content Placeholder 2"/>
+          <p:cNvSpPr>
+            <a:spLocks noGrp="1"/>
+          </p:cNvSpPr>
+          <p:nvPr>
+            <p:ph idx="1"/>
+          </p:nvPr>
+        </p:nvSpPr>
+        <p:spPr/>
+        <p:txBody>
+          <a:bodyPr>
+            <a:normAutofit/>
+          </a:bodyPr>
+          <a:lstStyle/>
+          <a:p>
+            <a:r>
+              <a:rPr lang="en-US" sz="1400" dirty="0" smtClean="0"/>
+              <a:t>Higher price leads </a:t>
+            </a:r>
+            <a:r>
+              <a:rPr lang="en-US" sz="1400" smtClean="0"/>
+              <a:t>to higher </a:t>
+            </a:r>
+            <a:r>
+              <a:rPr lang="en-US" sz="1400" dirty="0" smtClean="0"/>
+              <a:t>rating?</a:t>
+            </a:r>
+          </a:p>
+          <a:p>
+            <a:pPr lvl="1"/>
+            <a:r>
+              <a:rPr lang="en-US" sz="1200" dirty="0" smtClean="0"/>
+              <a:t>Dataset size</a:t>
+            </a:r>
+          </a:p>
+          <a:p>
+            <a:pPr lvl="1"/>
+            <a:r>
+              <a:rPr lang="en-US" sz="1200" dirty="0" smtClean="0"/>
+              <a:t>Data structure (json)</a:t>
+            </a:r>
+          </a:p>
+          <a:p>
+            <a:pPr lvl="1"/>
+            <a:r>
+              <a:rPr lang="en-US" sz="1200" dirty="0" smtClean="0"/>
+              <a:t>Speed</a:t>
+            </a:r>
+          </a:p>
+          <a:p>
+            <a:pPr lvl="1"/>
+            <a:r>
+              <a:rPr lang="en-US" sz="1200" dirty="0" smtClean="0"/>
+              <a:t>Scalability</a:t>
+            </a:r>
+          </a:p>
+          <a:p>
+            <a:pPr lvl="1"/>
+            <a:endParaRPr lang="en-US" sz="1200" dirty="0" smtClean="0"/>
+          </a:p>
+          <a:p>
+            <a:pPr lvl="1"/>
+            <a:endParaRPr lang="nl-NL" sz="1200" dirty="0"/>
+          </a:p>
+        </p:txBody>
+      </p:sp>
+    </p:spTree>
+    <p:extLst>
+      <p:ext uri="{BB962C8B-B14F-4D97-AF65-F5344CB8AC3E}">
+        <p14:creationId xmlns:p14="http://schemas.microsoft.com/office/powerpoint/2010/main" val="1562805421"/>
+      </p:ext>
+    </p:extLst>
+  </p:cSld>
+  <p:clrMapOvr>
+    <a:masterClrMapping/>
+  </p:clrMapOvr>
+</p:sld>
+</file>
+
+<file path=ppt/slides/slide5.xml><?xml version="1.0" encoding="utf-8"?>
+<p:sld xmlns:a="http://schemas.openxmlformats.org/drawingml/2006/main" xmlns:r="http://schemas.openxmlformats.org/officeDocument/2006/relationships" xmlns:p="http://schemas.openxmlformats.org/presentationml/2006/main">
+  <p:cSld>
+    <p:spTree>
+      <p:nvGrpSpPr>
+        <p:cNvPr id="1" name=""/>
+        <p:cNvGrpSpPr/>
+        <p:nvPr/>
+      </p:nvGrpSpPr>
+      <p:grpSpPr>
+        <a:xfrm>
+          <a:off x="0" y="0"/>
+          <a:ext cx="0" cy="0"/>
+          <a:chOff x="0" y="0"/>
+          <a:chExt cx="0" cy="0"/>
+        </a:xfrm>
+      </p:grpSpPr>
+      <p:sp>
+        <p:nvSpPr>
+          <p:cNvPr id="2" name="Title 1"/>
+          <p:cNvSpPr>
+            <a:spLocks noGrp="1"/>
+          </p:cNvSpPr>
+          <p:nvPr>
+            <p:ph type="title"/>
+          </p:nvPr>
+        </p:nvSpPr>
+        <p:spPr/>
+        <p:txBody>
+          <a:bodyPr/>
+          <a:lstStyle/>
+          <a:p>
+            <a:endParaRPr lang="nl-NL" dirty="0"/>
+          </a:p>
+        </p:txBody>
+      </p:sp>
+      <p:sp>
+        <p:nvSpPr>
+          <p:cNvPr id="3" name="Content Placeholder 2"/>
+          <p:cNvSpPr>
+            <a:spLocks noGrp="1"/>
+          </p:cNvSpPr>
+          <p:nvPr>
+            <p:ph idx="1"/>
+          </p:nvPr>
+        </p:nvSpPr>
+        <p:spPr/>
+        <p:txBody>
+          <a:bodyPr>
+            <a:normAutofit/>
+          </a:bodyPr>
+          <a:lstStyle/>
+          <a:p>
+            <a:endParaRPr lang="nl-NL" sz="1600" dirty="0"/>
+          </a:p>
+        </p:txBody>
+      </p:sp>
+    </p:spTree>
+    <p:extLst>
+      <p:ext uri="{BB962C8B-B14F-4D97-AF65-F5344CB8AC3E}">
+        <p14:creationId xmlns:p14="http://schemas.microsoft.com/office/powerpoint/2010/main" val="2879637664"/>
+      </p:ext>
+    </p:extLst>
+  </p:cSld>
+  <p:clrMapOvr>
+    <a:masterClrMapping/>
+  </p:clrMapOvr>
+</p:sld>
+</file>
+
+<file path=ppt/slides/slide6.xml><?xml version="1.0" encoding="utf-8"?>
 <p:sld xmlns:a="http://schemas.openxmlformats.org/drawingml/2006/main" xmlns:r="http://schemas.openxmlformats.org/officeDocument/2006/relationships" xmlns:p="http://schemas.openxmlformats.org/presentationml/2006/main">
   <p:cSld>
     <p:spTree>

--- a/presentation/Product review analysis.pptx
+++ b/presentation/Product review analysis.pptx
@@ -8,9 +8,10 @@
     <p:sldId id="256" r:id="rId2"/>
     <p:sldId id="257" r:id="rId3"/>
     <p:sldId id="258" r:id="rId4"/>
-    <p:sldId id="262" r:id="rId5"/>
-    <p:sldId id="263" r:id="rId6"/>
-    <p:sldId id="259" r:id="rId7"/>
+    <p:sldId id="264" r:id="rId5"/>
+    <p:sldId id="262" r:id="rId6"/>
+    <p:sldId id="263" r:id="rId7"/>
+    <p:sldId id="259" r:id="rId8"/>
   </p:sldIdLst>
   <p:sldSz cx="12192000" cy="6858000"/>
   <p:notesSz cx="6858000" cy="9144000"/>
@@ -121,9 +122,10 @@
           <p14:sldIdLst>
             <p14:sldId id="257"/>
             <p14:sldId id="258"/>
+            <p14:sldId id="264"/>
           </p14:sldIdLst>
         </p14:section>
-        <p14:section name="Questions" id="{7CC82DCD-DF74-433A-BE87-8D5BF39FE32A}">
+        <p14:section name="Analysis" id="{7CC82DCD-DF74-433A-BE87-8D5BF39FE32A}">
           <p14:sldIdLst>
             <p14:sldId id="262"/>
             <p14:sldId id="263"/>
@@ -274,7 +276,7 @@
           <a:p>
             <a:fld id="{8ED3A66F-EF0C-4060-95B3-50E7476DC954}" type="datetimeFigureOut">
               <a:rPr lang="nl-NL" smtClean="0"/>
-              <a:t>9-9-2017</a:t>
+              <a:t>10-9-2017</a:t>
             </a:fld>
             <a:endParaRPr lang="nl-NL"/>
           </a:p>
@@ -444,7 +446,7 @@
           <a:p>
             <a:fld id="{8ED3A66F-EF0C-4060-95B3-50E7476DC954}" type="datetimeFigureOut">
               <a:rPr lang="nl-NL" smtClean="0"/>
-              <a:t>9-9-2017</a:t>
+              <a:t>10-9-2017</a:t>
             </a:fld>
             <a:endParaRPr lang="nl-NL"/>
           </a:p>
@@ -624,7 +626,7 @@
           <a:p>
             <a:fld id="{8ED3A66F-EF0C-4060-95B3-50E7476DC954}" type="datetimeFigureOut">
               <a:rPr lang="nl-NL" smtClean="0"/>
-              <a:t>9-9-2017</a:t>
+              <a:t>10-9-2017</a:t>
             </a:fld>
             <a:endParaRPr lang="nl-NL"/>
           </a:p>
@@ -794,7 +796,7 @@
           <a:p>
             <a:fld id="{8ED3A66F-EF0C-4060-95B3-50E7476DC954}" type="datetimeFigureOut">
               <a:rPr lang="nl-NL" smtClean="0"/>
-              <a:t>9-9-2017</a:t>
+              <a:t>10-9-2017</a:t>
             </a:fld>
             <a:endParaRPr lang="nl-NL"/>
           </a:p>
@@ -1040,7 +1042,7 @@
           <a:p>
             <a:fld id="{8ED3A66F-EF0C-4060-95B3-50E7476DC954}" type="datetimeFigureOut">
               <a:rPr lang="nl-NL" smtClean="0"/>
-              <a:t>9-9-2017</a:t>
+              <a:t>10-9-2017</a:t>
             </a:fld>
             <a:endParaRPr lang="nl-NL"/>
           </a:p>
@@ -1272,7 +1274,7 @@
           <a:p>
             <a:fld id="{8ED3A66F-EF0C-4060-95B3-50E7476DC954}" type="datetimeFigureOut">
               <a:rPr lang="nl-NL" smtClean="0"/>
-              <a:t>9-9-2017</a:t>
+              <a:t>10-9-2017</a:t>
             </a:fld>
             <a:endParaRPr lang="nl-NL"/>
           </a:p>
@@ -1639,7 +1641,7 @@
           <a:p>
             <a:fld id="{8ED3A66F-EF0C-4060-95B3-50E7476DC954}" type="datetimeFigureOut">
               <a:rPr lang="nl-NL" smtClean="0"/>
-              <a:t>9-9-2017</a:t>
+              <a:t>10-9-2017</a:t>
             </a:fld>
             <a:endParaRPr lang="nl-NL"/>
           </a:p>
@@ -1757,7 +1759,7 @@
           <a:p>
             <a:fld id="{8ED3A66F-EF0C-4060-95B3-50E7476DC954}" type="datetimeFigureOut">
               <a:rPr lang="nl-NL" smtClean="0"/>
-              <a:t>9-9-2017</a:t>
+              <a:t>10-9-2017</a:t>
             </a:fld>
             <a:endParaRPr lang="nl-NL"/>
           </a:p>
@@ -1852,7 +1854,7 @@
           <a:p>
             <a:fld id="{8ED3A66F-EF0C-4060-95B3-50E7476DC954}" type="datetimeFigureOut">
               <a:rPr lang="nl-NL" smtClean="0"/>
-              <a:t>9-9-2017</a:t>
+              <a:t>10-9-2017</a:t>
             </a:fld>
             <a:endParaRPr lang="nl-NL"/>
           </a:p>
@@ -2129,7 +2131,7 @@
           <a:p>
             <a:fld id="{8ED3A66F-EF0C-4060-95B3-50E7476DC954}" type="datetimeFigureOut">
               <a:rPr lang="nl-NL" smtClean="0"/>
-              <a:t>9-9-2017</a:t>
+              <a:t>10-9-2017</a:t>
             </a:fld>
             <a:endParaRPr lang="nl-NL"/>
           </a:p>
@@ -2382,7 +2384,7 @@
           <a:p>
             <a:fld id="{8ED3A66F-EF0C-4060-95B3-50E7476DC954}" type="datetimeFigureOut">
               <a:rPr lang="nl-NL" smtClean="0"/>
-              <a:t>9-9-2017</a:t>
+              <a:t>10-9-2017</a:t>
             </a:fld>
             <a:endParaRPr lang="nl-NL"/>
           </a:p>
@@ -2595,7 +2597,7 @@
           <a:p>
             <a:fld id="{8ED3A66F-EF0C-4060-95B3-50E7476DC954}" type="datetimeFigureOut">
               <a:rPr lang="nl-NL" smtClean="0"/>
-              <a:t>9-9-2017</a:t>
+              <a:t>10-9-2017</a:t>
             </a:fld>
             <a:endParaRPr lang="nl-NL"/>
           </a:p>
@@ -2986,6 +2988,16 @@
 <file path=ppt/slides/slide1.xml><?xml version="1.0" encoding="utf-8"?>
 <p:sld xmlns:a="http://schemas.openxmlformats.org/drawingml/2006/main" xmlns:r="http://schemas.openxmlformats.org/officeDocument/2006/relationships" xmlns:p="http://schemas.openxmlformats.org/presentationml/2006/main">
   <p:cSld>
+    <p:bg>
+      <p:bgPr shadeToTitle="1">
+        <a:solidFill>
+          <a:srgbClr val="FF8000">
+            <a:alpha val="90000"/>
+          </a:srgbClr>
+        </a:solidFill>
+        <a:effectLst/>
+      </p:bgPr>
+    </p:bg>
     <p:spTree>
       <p:nvGrpSpPr>
         <p:cNvPr id="1" name=""/>
@@ -3012,14 +3024,49 @@
         </p:nvSpPr>
         <p:spPr/>
         <p:txBody>
-          <a:bodyPr/>
-          <a:lstStyle/>
-          <a:p>
-            <a:r>
-              <a:rPr lang="en-US" dirty="0" smtClean="0"/>
-              <a:t>Product review analysis</a:t>
-            </a:r>
-            <a:endParaRPr lang="nl-NL" dirty="0"/>
+          <a:bodyPr vert="horz" lIns="91440" tIns="45720" rIns="91440" bIns="45720" rtlCol="0" anchor="ctr">
+            <a:normAutofit/>
+          </a:bodyPr>
+          <a:lstStyle/>
+          <a:p>
+            <a:pPr algn="l"/>
+            <a:r>
+              <a:rPr lang="en-US" sz="4400" b="1" dirty="0" smtClean="0">
+                <a:solidFill>
+                  <a:schemeClr val="bg1"/>
+                </a:solidFill>
+                <a:latin typeface="Arial" panose="020B0604020202020204" pitchFamily="34" charset="0"/>
+                <a:cs typeface="Arial" panose="020B0604020202020204" pitchFamily="34" charset="0"/>
+              </a:rPr>
+              <a:t>Amazon product </a:t>
+            </a:r>
+            <a:r>
+              <a:rPr lang="en-US" sz="4400" b="1" dirty="0">
+                <a:solidFill>
+                  <a:schemeClr val="bg1"/>
+                </a:solidFill>
+                <a:latin typeface="Arial" panose="020B0604020202020204" pitchFamily="34" charset="0"/>
+                <a:cs typeface="Arial" panose="020B0604020202020204" pitchFamily="34" charset="0"/>
+              </a:rPr>
+              <a:t>review </a:t>
+            </a:r>
+            <a:r>
+              <a:rPr lang="en-US" sz="4400" b="1" dirty="0" smtClean="0">
+                <a:solidFill>
+                  <a:schemeClr val="bg1"/>
+                </a:solidFill>
+                <a:latin typeface="Arial" panose="020B0604020202020204" pitchFamily="34" charset="0"/>
+                <a:cs typeface="Arial" panose="020B0604020202020204" pitchFamily="34" charset="0"/>
+              </a:rPr>
+              <a:t>analysis</a:t>
+            </a:r>
+            <a:endParaRPr lang="nl-NL" sz="4400" b="1" dirty="0">
+              <a:solidFill>
+                <a:schemeClr val="bg1"/>
+              </a:solidFill>
+              <a:latin typeface="Arial" panose="020B0604020202020204" pitchFamily="34" charset="0"/>
+              <a:cs typeface="Arial" panose="020B0604020202020204" pitchFamily="34" charset="0"/>
+            </a:endParaRPr>
           </a:p>
         </p:txBody>
       </p:sp>
@@ -3035,13 +3082,80 @@
         </p:nvSpPr>
         <p:spPr/>
         <p:txBody>
-          <a:bodyPr/>
-          <a:lstStyle/>
-          <a:p>
-            <a:endParaRPr lang="nl-NL"/>
-          </a:p>
-        </p:txBody>
-      </p:sp>
+          <a:bodyPr>
+            <a:normAutofit/>
+          </a:bodyPr>
+          <a:lstStyle/>
+          <a:p>
+            <a:pPr algn="l"/>
+            <a:r>
+              <a:rPr lang="en-US" sz="1800" dirty="0" smtClean="0">
+                <a:solidFill>
+                  <a:schemeClr val="bg1"/>
+                </a:solidFill>
+                <a:latin typeface="Arial" panose="020B0604020202020204" pitchFamily="34" charset="0"/>
+                <a:cs typeface="Arial" panose="020B0604020202020204" pitchFamily="34" charset="0"/>
+              </a:rPr>
+              <a:t>Xin Pang</a:t>
+            </a:r>
+          </a:p>
+          <a:p>
+            <a:pPr algn="l"/>
+            <a:r>
+              <a:rPr lang="en-US" sz="1800" dirty="0" smtClean="0">
+                <a:solidFill>
+                  <a:schemeClr val="bg1"/>
+                </a:solidFill>
+                <a:latin typeface="Arial" panose="020B0604020202020204" pitchFamily="34" charset="0"/>
+                <a:cs typeface="Arial" panose="020B0604020202020204" pitchFamily="34" charset="0"/>
+              </a:rPr>
+              <a:t>9/10/2017</a:t>
+            </a:r>
+            <a:endParaRPr lang="nl-NL" sz="1800" dirty="0">
+              <a:solidFill>
+                <a:schemeClr val="bg1"/>
+              </a:solidFill>
+              <a:latin typeface="Arial" panose="020B0604020202020204" pitchFamily="34" charset="0"/>
+              <a:cs typeface="Arial" panose="020B0604020202020204" pitchFamily="34" charset="0"/>
+            </a:endParaRPr>
+          </a:p>
+        </p:txBody>
+      </p:sp>
+      <p:cxnSp>
+        <p:nvCxnSpPr>
+          <p:cNvPr id="5" name="Straight Connector 4"/>
+          <p:cNvCxnSpPr/>
+          <p:nvPr/>
+        </p:nvCxnSpPr>
+        <p:spPr>
+          <a:xfrm>
+            <a:off x="1601637" y="2872596"/>
+            <a:ext cx="1236453" cy="0"/>
+          </a:xfrm>
+          <a:prstGeom prst="line">
+            <a:avLst/>
+          </a:prstGeom>
+          <a:ln w="57150">
+            <a:solidFill>
+              <a:schemeClr val="bg1"/>
+            </a:solidFill>
+          </a:ln>
+        </p:spPr>
+        <p:style>
+          <a:lnRef idx="1">
+            <a:schemeClr val="accent1"/>
+          </a:lnRef>
+          <a:fillRef idx="0">
+            <a:schemeClr val="accent1"/>
+          </a:fillRef>
+          <a:effectRef idx="0">
+            <a:schemeClr val="accent1"/>
+          </a:effectRef>
+          <a:fontRef idx="minor">
+            <a:schemeClr val="tx1"/>
+          </a:fontRef>
+        </p:style>
+      </p:cxnSp>
     </p:spTree>
     <p:extLst>
       <p:ext uri="{BB962C8B-B14F-4D97-AF65-F5344CB8AC3E}">
@@ -3088,10 +3202,18 @@
           <a:lstStyle/>
           <a:p>
             <a:r>
-              <a:rPr lang="en-US" dirty="0" smtClean="0"/>
+              <a:rPr lang="en-US" dirty="0" smtClean="0">
+                <a:solidFill>
+                  <a:srgbClr val="FF8000"/>
+                </a:solidFill>
+              </a:rPr>
               <a:t>Data fields</a:t>
             </a:r>
-            <a:endParaRPr lang="nl-NL" dirty="0"/>
+            <a:endParaRPr lang="nl-NL" dirty="0">
+              <a:solidFill>
+                <a:srgbClr val="FF8000"/>
+              </a:solidFill>
+            </a:endParaRPr>
           </a:p>
         </p:txBody>
       </p:sp>
@@ -3411,10 +3533,18 @@
           <a:lstStyle/>
           <a:p>
             <a:r>
-              <a:rPr lang="en-US" dirty="0" smtClean="0"/>
+              <a:rPr lang="en-US" dirty="0" smtClean="0">
+                <a:solidFill>
+                  <a:srgbClr val="FF8000"/>
+                </a:solidFill>
+              </a:rPr>
               <a:t>List of questions</a:t>
             </a:r>
-            <a:endParaRPr lang="nl-NL" dirty="0"/>
+            <a:endParaRPr lang="nl-NL" dirty="0">
+              <a:solidFill>
+                <a:srgbClr val="FF8000"/>
+              </a:solidFill>
+            </a:endParaRPr>
           </a:p>
         </p:txBody>
       </p:sp>
@@ -3428,7 +3558,7 @@
             <p:ph idx="1"/>
             <p:extLst>
               <p:ext uri="{D42A27DB-BD31-4B8C-83A1-F6EECF244321}">
-                <p14:modId xmlns:p14="http://schemas.microsoft.com/office/powerpoint/2010/main" val="3698093441"/>
+                <p14:modId xmlns:p14="http://schemas.microsoft.com/office/powerpoint/2010/main" val="2091134731"/>
               </p:ext>
             </p:extLst>
           </p:nvPr>
@@ -3607,6 +3737,10 @@
                     <a:bodyPr/>
                     <a:lstStyle/>
                     <a:p>
+                      <a:r>
+                        <a:rPr lang="en-US" sz="1200" dirty="0" smtClean="0"/>
+                        <a:t>Yes</a:t>
+                      </a:r>
                       <a:endParaRPr lang="nl-NL" sz="1200" dirty="0"/>
                     </a:p>
                   </a:txBody>
@@ -3739,14 +3873,24 @@
         </p:nvSpPr>
         <p:spPr/>
         <p:txBody>
-          <a:bodyPr/>
-          <a:lstStyle/>
-          <a:p>
-            <a:r>
-              <a:rPr lang="en-US" dirty="0" smtClean="0"/>
-              <a:t>Relationship between review and price</a:t>
-            </a:r>
-            <a:endParaRPr lang="nl-NL" dirty="0"/>
+          <a:bodyPr vert="horz" lIns="91440" tIns="45720" rIns="91440" bIns="45720" rtlCol="0" anchor="ctr">
+            <a:normAutofit/>
+          </a:bodyPr>
+          <a:lstStyle/>
+          <a:p>
+            <a:r>
+              <a:rPr lang="en-US" dirty="0">
+                <a:solidFill>
+                  <a:srgbClr val="FF8000"/>
+                </a:solidFill>
+              </a:rPr>
+              <a:t>Recommendations</a:t>
+            </a:r>
+            <a:endParaRPr lang="nl-NL" dirty="0">
+              <a:solidFill>
+                <a:srgbClr val="FF8000"/>
+              </a:solidFill>
+            </a:endParaRPr>
           </a:p>
         </p:txBody>
       </p:sp>
@@ -3768,60 +3912,94 @@
           <a:lstStyle/>
           <a:p>
             <a:r>
+              <a:rPr lang="en-US" sz="1400" dirty="0"/>
+              <a:t>Organize </a:t>
+            </a:r>
+            <a:r>
               <a:rPr lang="en-US" sz="1400" dirty="0" smtClean="0"/>
-              <a:t>Higher price leads </a:t>
-            </a:r>
-            <a:r>
-              <a:rPr lang="en-US" sz="1400" smtClean="0"/>
-              <a:t>to higher </a:t>
+              <a:t>reviews: simplify </a:t>
+            </a:r>
+            <a:r>
+              <a:rPr lang="en-US" sz="1400" dirty="0"/>
+              <a:t>the process to find the reviews that matter most to consumers by organizing reviews and ratings into specific groups</a:t>
             </a:r>
             <a:r>
               <a:rPr lang="en-US" sz="1400" dirty="0" smtClean="0"/>
-              <a:t>rating?</a:t>
-            </a:r>
-          </a:p>
-          <a:p>
-            <a:pPr lvl="1"/>
-            <a:r>
-              <a:rPr lang="en-US" sz="1200" dirty="0" smtClean="0"/>
-              <a:t>Dataset size</a:t>
-            </a:r>
-          </a:p>
-          <a:p>
-            <a:pPr lvl="1"/>
-            <a:r>
-              <a:rPr lang="en-US" sz="1200" dirty="0" smtClean="0"/>
-              <a:t>Data structure (json)</a:t>
-            </a:r>
-          </a:p>
-          <a:p>
-            <a:pPr lvl="1"/>
-            <a:r>
-              <a:rPr lang="en-US" sz="1200" dirty="0" smtClean="0"/>
-              <a:t>Speed</a:t>
-            </a:r>
-          </a:p>
-          <a:p>
-            <a:pPr lvl="1"/>
-            <a:r>
-              <a:rPr lang="en-US" sz="1200" dirty="0" smtClean="0"/>
-              <a:t>Scalability</a:t>
-            </a:r>
-          </a:p>
-          <a:p>
-            <a:pPr lvl="1"/>
-            <a:endParaRPr lang="en-US" sz="1200" dirty="0" smtClean="0"/>
-          </a:p>
-          <a:p>
-            <a:pPr lvl="1"/>
-            <a:endParaRPr lang="nl-NL" sz="1200" dirty="0"/>
+              <a:t>.</a:t>
+            </a:r>
+          </a:p>
+          <a:p>
+            <a:r>
+              <a:rPr lang="en-US" sz="1400" dirty="0"/>
+              <a:t>You can help improve your merchandising and product selection to ensure that you have adequate inventory of highly reviewed products. You can remove poorly reviewed products, especially those that get the most negative reviews and complaints</a:t>
+            </a:r>
+            <a:r>
+              <a:rPr lang="en-US" sz="1400" dirty="0" smtClean="0"/>
+              <a:t>.</a:t>
+            </a:r>
+          </a:p>
+          <a:p>
+            <a:r>
+              <a:rPr lang="en-US" sz="1400" dirty="0"/>
+              <a:t>Provide top 10 lists of the products that received the best reviews accessible from your product category pages.</a:t>
+            </a:r>
+          </a:p>
+          <a:p>
+            <a:r>
+              <a:rPr lang="en-US" sz="1400" dirty="0" smtClean="0"/>
+              <a:t>If </a:t>
+            </a:r>
+            <a:r>
+              <a:rPr lang="en-US" sz="1400" dirty="0"/>
+              <a:t>your search system can allow it, include an option to search your products based on customer ranking or feedback.</a:t>
+            </a:r>
+          </a:p>
+          <a:p>
+            <a:r>
+              <a:rPr lang="en-US" sz="1400" dirty="0" smtClean="0"/>
+              <a:t>Launch marketing campaign based on the top reviewed and rated products.</a:t>
+            </a:r>
+          </a:p>
+          <a:p>
+            <a:r>
+              <a:rPr lang="en-US" sz="1400" dirty="0" smtClean="0"/>
+              <a:t>Why do we want users to write more and longer reviews?</a:t>
+            </a:r>
+          </a:p>
+          <a:p>
+            <a:pPr fontAlgn="base"/>
+            <a:r>
+              <a:rPr lang="en-US" sz="1400" dirty="0"/>
+              <a:t>There are two approximate patterns that can be observed here: the better a product is ranked, the more likely it would receive customer reviews, and top-ranked products usually would have high product ratings.</a:t>
+            </a:r>
+          </a:p>
+          <a:p>
+            <a:pPr fontAlgn="base"/>
+            <a:r>
+              <a:rPr lang="en-US" sz="1400" dirty="0"/>
+              <a:t>Considering that there was positive correlation observed between product rank and product rating, it can be inferred at this point that there might be some relation between customer reviews and the </a:t>
+            </a:r>
+            <a:r>
+              <a:rPr lang="en-US" sz="1400" dirty="0" err="1"/>
+              <a:t>the</a:t>
+            </a:r>
+            <a:r>
+              <a:rPr lang="en-US" sz="1400" dirty="0"/>
+              <a:t> product rating.</a:t>
+            </a:r>
+          </a:p>
+          <a:p>
+            <a:endParaRPr lang="en-US" sz="1400" dirty="0" smtClean="0"/>
+          </a:p>
+          <a:p>
+            <a:endParaRPr lang="nl-NL" sz="1400" dirty="0"/>
           </a:p>
         </p:txBody>
       </p:sp>
     </p:spTree>
     <p:extLst>
       <p:ext uri="{BB962C8B-B14F-4D97-AF65-F5344CB8AC3E}">
-        <p14:creationId xmlns:p14="http://schemas.microsoft.com/office/powerpoint/2010/main" val="1562805421"/>
+        <p14:creationId xmlns:p14="http://schemas.microsoft.com/office/powerpoint/2010/main" val="247289664"/>
       </p:ext>
     </p:extLst>
   </p:cSld>
@@ -3863,7 +4041,19 @@
           <a:bodyPr/>
           <a:lstStyle/>
           <a:p>
-            <a:endParaRPr lang="nl-NL" dirty="0"/>
+            <a:r>
+              <a:rPr lang="en-US" dirty="0" smtClean="0">
+                <a:solidFill>
+                  <a:srgbClr val="FF8000"/>
+                </a:solidFill>
+              </a:rPr>
+              <a:t>Relationship between review and price</a:t>
+            </a:r>
+            <a:endParaRPr lang="nl-NL" dirty="0">
+              <a:solidFill>
+                <a:srgbClr val="FF8000"/>
+              </a:solidFill>
+            </a:endParaRPr>
           </a:p>
         </p:txBody>
       </p:sp>
@@ -3884,14 +4074,27 @@
           </a:bodyPr>
           <a:lstStyle/>
           <a:p>
-            <a:endParaRPr lang="nl-NL" sz="1600" dirty="0"/>
+            <a:r>
+              <a:rPr lang="en-US" sz="1400" dirty="0" smtClean="0"/>
+              <a:t>Higher price leads to higher rating?</a:t>
+            </a:r>
+          </a:p>
+          <a:p>
+            <a:r>
+              <a:rPr lang="en-US" sz="1600" dirty="0" smtClean="0"/>
+              <a:t>Higher price leads to longer review text?</a:t>
+            </a:r>
+          </a:p>
+          <a:p>
+            <a:pPr lvl="1"/>
+            <a:endParaRPr lang="nl-NL" sz="1200" dirty="0"/>
           </a:p>
         </p:txBody>
       </p:sp>
     </p:spTree>
     <p:extLst>
       <p:ext uri="{BB962C8B-B14F-4D97-AF65-F5344CB8AC3E}">
-        <p14:creationId xmlns:p14="http://schemas.microsoft.com/office/powerpoint/2010/main" val="2879637664"/>
+        <p14:creationId xmlns:p14="http://schemas.microsoft.com/office/powerpoint/2010/main" val="1562805421"/>
       </p:ext>
     </p:extLst>
   </p:cSld>
@@ -3930,14 +4133,114 @@
         </p:nvSpPr>
         <p:spPr/>
         <p:txBody>
-          <a:bodyPr/>
-          <a:lstStyle/>
-          <a:p>
-            <a:r>
-              <a:rPr lang="en-US" dirty="0" smtClean="0"/>
+          <a:bodyPr vert="horz" lIns="91440" tIns="45720" rIns="91440" bIns="45720" rtlCol="0" anchor="ctr">
+            <a:normAutofit/>
+          </a:bodyPr>
+          <a:lstStyle/>
+          <a:p>
+            <a:r>
+              <a:rPr lang="en-US" dirty="0">
+                <a:solidFill>
+                  <a:srgbClr val="FF8000"/>
+                </a:solidFill>
+              </a:rPr>
+              <a:t>Review vs. helpfulness</a:t>
+            </a:r>
+            <a:endParaRPr lang="nl-NL" dirty="0">
+              <a:solidFill>
+                <a:srgbClr val="FF8000"/>
+              </a:solidFill>
+            </a:endParaRPr>
+          </a:p>
+        </p:txBody>
+      </p:sp>
+      <p:sp>
+        <p:nvSpPr>
+          <p:cNvPr id="3" name="Content Placeholder 2"/>
+          <p:cNvSpPr>
+            <a:spLocks noGrp="1"/>
+          </p:cNvSpPr>
+          <p:nvPr>
+            <p:ph idx="1"/>
+          </p:nvPr>
+        </p:nvSpPr>
+        <p:spPr/>
+        <p:txBody>
+          <a:bodyPr>
+            <a:normAutofit/>
+          </a:bodyPr>
+          <a:lstStyle/>
+          <a:p>
+            <a:r>
+              <a:rPr lang="en-US" sz="1600" dirty="0" smtClean="0"/>
+              <a:t>Hypothesis: people are more cautious about buying higher priced product, thus will read more reviews. We would expect more ‘helpful’ in the reviews.</a:t>
+            </a:r>
+          </a:p>
+          <a:p>
+            <a:endParaRPr lang="nl-NL" sz="1600" dirty="0"/>
+          </a:p>
+        </p:txBody>
+      </p:sp>
+    </p:spTree>
+    <p:extLst>
+      <p:ext uri="{BB962C8B-B14F-4D97-AF65-F5344CB8AC3E}">
+        <p14:creationId xmlns:p14="http://schemas.microsoft.com/office/powerpoint/2010/main" val="2879637664"/>
+      </p:ext>
+    </p:extLst>
+  </p:cSld>
+  <p:clrMapOvr>
+    <a:masterClrMapping/>
+  </p:clrMapOvr>
+</p:sld>
+</file>
+
+<file path=ppt/slides/slide7.xml><?xml version="1.0" encoding="utf-8"?>
+<p:sld xmlns:a="http://schemas.openxmlformats.org/drawingml/2006/main" xmlns:r="http://schemas.openxmlformats.org/officeDocument/2006/relationships" xmlns:p="http://schemas.openxmlformats.org/presentationml/2006/main">
+  <p:cSld>
+    <p:spTree>
+      <p:nvGrpSpPr>
+        <p:cNvPr id="1" name=""/>
+        <p:cNvGrpSpPr/>
+        <p:nvPr/>
+      </p:nvGrpSpPr>
+      <p:grpSpPr>
+        <a:xfrm>
+          <a:off x="0" y="0"/>
+          <a:ext cx="0" cy="0"/>
+          <a:chOff x="0" y="0"/>
+          <a:chExt cx="0" cy="0"/>
+        </a:xfrm>
+      </p:grpSpPr>
+      <p:sp>
+        <p:nvSpPr>
+          <p:cNvPr id="2" name="Title 1"/>
+          <p:cNvSpPr>
+            <a:spLocks noGrp="1"/>
+          </p:cNvSpPr>
+          <p:nvPr>
+            <p:ph type="title"/>
+          </p:nvPr>
+        </p:nvSpPr>
+        <p:spPr/>
+        <p:txBody>
+          <a:bodyPr vert="horz" lIns="91440" tIns="45720" rIns="91440" bIns="45720" rtlCol="0" anchor="ctr">
+            <a:normAutofit/>
+          </a:bodyPr>
+          <a:lstStyle/>
+          <a:p>
+            <a:r>
+              <a:rPr lang="en-US" dirty="0">
+                <a:solidFill>
+                  <a:srgbClr val="FF8000"/>
+                </a:solidFill>
+              </a:rPr>
               <a:t>Design choice</a:t>
             </a:r>
-            <a:endParaRPr lang="nl-NL" dirty="0"/>
+            <a:endParaRPr lang="nl-NL" dirty="0">
+              <a:solidFill>
+                <a:srgbClr val="FF8000"/>
+              </a:solidFill>
+            </a:endParaRPr>
           </a:p>
         </p:txBody>
       </p:sp>

--- a/presentation/Product review analysis.pptx
+++ b/presentation/Product review analysis.pptx
@@ -5,22 +5,23 @@
     <p:sldMasterId id="2147483648" r:id="rId1"/>
   </p:sldMasterIdLst>
   <p:notesMasterIdLst>
-    <p:notesMasterId r:id="rId15"/>
+    <p:notesMasterId r:id="rId16"/>
   </p:notesMasterIdLst>
   <p:sldIdLst>
     <p:sldId id="256" r:id="rId2"/>
     <p:sldId id="265" r:id="rId3"/>
-    <p:sldId id="264" r:id="rId4"/>
-    <p:sldId id="266" r:id="rId5"/>
-    <p:sldId id="267" r:id="rId6"/>
-    <p:sldId id="268" r:id="rId7"/>
-    <p:sldId id="271" r:id="rId8"/>
-    <p:sldId id="263" r:id="rId9"/>
+    <p:sldId id="266" r:id="rId4"/>
+    <p:sldId id="267" r:id="rId5"/>
+    <p:sldId id="268" r:id="rId6"/>
+    <p:sldId id="271" r:id="rId7"/>
+    <p:sldId id="263" r:id="rId8"/>
+    <p:sldId id="272" r:id="rId9"/>
     <p:sldId id="269" r:id="rId10"/>
     <p:sldId id="270" r:id="rId11"/>
-    <p:sldId id="259" r:id="rId12"/>
-    <p:sldId id="257" r:id="rId13"/>
-    <p:sldId id="258" r:id="rId14"/>
+    <p:sldId id="264" r:id="rId12"/>
+    <p:sldId id="259" r:id="rId13"/>
+    <p:sldId id="257" r:id="rId14"/>
+    <p:sldId id="258" r:id="rId15"/>
   </p:sldIdLst>
   <p:sldSz cx="12192000" cy="6858000"/>
   <p:notesSz cx="6858000" cy="9144000"/>
@@ -130,14 +131,15 @@
         <p14:section name="Analysis" id="{7CC82DCD-DF74-433A-BE87-8D5BF39FE32A}">
           <p14:sldIdLst>
             <p14:sldId id="265"/>
-            <p14:sldId id="264"/>
             <p14:sldId id="266"/>
             <p14:sldId id="267"/>
             <p14:sldId id="268"/>
             <p14:sldId id="271"/>
             <p14:sldId id="263"/>
+            <p14:sldId id="272"/>
             <p14:sldId id="269"/>
             <p14:sldId id="270"/>
+            <p14:sldId id="264"/>
           </p14:sldIdLst>
         </p14:section>
         <p14:section name="Technical note" id="{E9A13B69-8630-4561-BE0C-127A8A63608C}">
@@ -1197,8 +1199,8 @@
         </c:dLbls>
         <c:gapWidth val="150"/>
         <c:overlap val="100"/>
-        <c:axId val="171134944"/>
-        <c:axId val="116563320"/>
+        <c:axId val="248669576"/>
+        <c:axId val="248669968"/>
         <c:extLst>
           <c:ext xmlns:c15="http://schemas.microsoft.com/office/drawing/2012/chart" uri="{02D57815-91ED-43cb-92C2-25804820EDAC}">
             <c15:filteredBarSeries>
@@ -1619,7 +1621,7 @@
         </c:extLst>
       </c:barChart>
       <c:catAx>
-        <c:axId val="171134944"/>
+        <c:axId val="248669576"/>
         <c:scaling>
           <c:orientation val="maxMin"/>
         </c:scaling>
@@ -1662,7 +1664,7 @@
             <a:endParaRPr lang="nl-NL"/>
           </a:p>
         </c:txPr>
-        <c:crossAx val="116563320"/>
+        <c:crossAx val="248669968"/>
         <c:crosses val="autoZero"/>
         <c:auto val="1"/>
         <c:lblAlgn val="ctr"/>
@@ -1670,7 +1672,7 @@
         <c:noMultiLvlLbl val="0"/>
       </c:catAx>
       <c:valAx>
-        <c:axId val="116563320"/>
+        <c:axId val="248669968"/>
         <c:scaling>
           <c:orientation val="minMax"/>
         </c:scaling>
@@ -1721,7 +1723,7 @@
             <a:endParaRPr lang="nl-NL"/>
           </a:p>
         </c:txPr>
-        <c:crossAx val="171134944"/>
+        <c:crossAx val="248669576"/>
         <c:crosses val="autoZero"/>
         <c:crossBetween val="between"/>
       </c:valAx>
@@ -2784,7 +2786,7 @@
           <a:p>
             <a:fld id="{0CCD6EE9-96FA-44CE-94D2-F39B64C9311E}" type="slidenum">
               <a:rPr lang="nl-NL" smtClean="0"/>
-              <a:t>4</a:t>
+              <a:t>3</a:t>
             </a:fld>
             <a:endParaRPr lang="nl-NL"/>
           </a:p>
@@ -2868,7 +2870,7 @@
           <a:p>
             <a:fld id="{0CCD6EE9-96FA-44CE-94D2-F39B64C9311E}" type="slidenum">
               <a:rPr lang="nl-NL" smtClean="0"/>
-              <a:t>5</a:t>
+              <a:t>4</a:t>
             </a:fld>
             <a:endParaRPr lang="nl-NL"/>
           </a:p>
@@ -2956,7 +2958,7 @@
           <a:p>
             <a:fld id="{0CCD6EE9-96FA-44CE-94D2-F39B64C9311E}" type="slidenum">
               <a:rPr lang="nl-NL" smtClean="0"/>
-              <a:t>7</a:t>
+              <a:t>6</a:t>
             </a:fld>
             <a:endParaRPr lang="nl-NL"/>
           </a:p>
@@ -2966,6 +2968,94 @@
     <p:extLst>
       <p:ext uri="{BB962C8B-B14F-4D97-AF65-F5344CB8AC3E}">
         <p14:creationId xmlns:p14="http://schemas.microsoft.com/office/powerpoint/2010/main" val="471096513"/>
+      </p:ext>
+    </p:extLst>
+  </p:cSld>
+  <p:clrMapOvr>
+    <a:masterClrMapping/>
+  </p:clrMapOvr>
+</p:notes>
+</file>
+
+<file path=ppt/notesSlides/notesSlide4.xml><?xml version="1.0" encoding="utf-8"?>
+<p:notes xmlns:a="http://schemas.openxmlformats.org/drawingml/2006/main" xmlns:r="http://schemas.openxmlformats.org/officeDocument/2006/relationships" xmlns:p="http://schemas.openxmlformats.org/presentationml/2006/main">
+  <p:cSld>
+    <p:spTree>
+      <p:nvGrpSpPr>
+        <p:cNvPr id="1" name=""/>
+        <p:cNvGrpSpPr/>
+        <p:nvPr/>
+      </p:nvGrpSpPr>
+      <p:grpSpPr>
+        <a:xfrm>
+          <a:off x="0" y="0"/>
+          <a:ext cx="0" cy="0"/>
+          <a:chOff x="0" y="0"/>
+          <a:chExt cx="0" cy="0"/>
+        </a:xfrm>
+      </p:grpSpPr>
+      <p:sp>
+        <p:nvSpPr>
+          <p:cNvPr id="2" name="Slide Image Placeholder 1"/>
+          <p:cNvSpPr>
+            <a:spLocks noGrp="1" noRot="1" noChangeAspect="1"/>
+          </p:cNvSpPr>
+          <p:nvPr>
+            <p:ph type="sldImg"/>
+          </p:nvPr>
+        </p:nvSpPr>
+        <p:spPr/>
+      </p:sp>
+      <p:sp>
+        <p:nvSpPr>
+          <p:cNvPr id="3" name="Notes Placeholder 2"/>
+          <p:cNvSpPr>
+            <a:spLocks noGrp="1"/>
+          </p:cNvSpPr>
+          <p:nvPr>
+            <p:ph type="body" idx="1"/>
+          </p:nvPr>
+        </p:nvSpPr>
+        <p:spPr/>
+        <p:txBody>
+          <a:bodyPr/>
+          <a:lstStyle/>
+          <a:p>
+            <a:r>
+              <a:rPr lang="en-US" dirty="0" smtClean="0"/>
+              <a:t>Total review: 2900</a:t>
+            </a:r>
+            <a:endParaRPr lang="nl-NL" dirty="0"/>
+          </a:p>
+        </p:txBody>
+      </p:sp>
+      <p:sp>
+        <p:nvSpPr>
+          <p:cNvPr id="4" name="Slide Number Placeholder 3"/>
+          <p:cNvSpPr>
+            <a:spLocks noGrp="1"/>
+          </p:cNvSpPr>
+          <p:nvPr>
+            <p:ph type="sldNum" sz="quarter" idx="10"/>
+          </p:nvPr>
+        </p:nvSpPr>
+        <p:spPr/>
+        <p:txBody>
+          <a:bodyPr/>
+          <a:lstStyle/>
+          <a:p>
+            <a:fld id="{0CCD6EE9-96FA-44CE-94D2-F39B64C9311E}" type="slidenum">
+              <a:rPr lang="nl-NL" smtClean="0"/>
+              <a:t>8</a:t>
+            </a:fld>
+            <a:endParaRPr lang="nl-NL"/>
+          </a:p>
+        </p:txBody>
+      </p:sp>
+    </p:spTree>
+    <p:extLst>
+      <p:ext uri="{BB962C8B-B14F-4D97-AF65-F5344CB8AC3E}">
+        <p14:creationId xmlns:p14="http://schemas.microsoft.com/office/powerpoint/2010/main" val="395949230"/>
       </p:ext>
     </p:extLst>
   </p:cSld>
@@ -6493,7 +6583,6 @@
               <a:rPr lang="en-US" dirty="0" smtClean="0"/>
               <a:t>Price (quality-price ratio)</a:t>
             </a:r>
-            <a:endParaRPr lang="en-US" dirty="0" smtClean="0"/>
           </a:p>
           <a:p>
             <a:pPr lvl="2"/>
@@ -6681,12 +6770,12 @@
           <a:lstStyle/>
           <a:p>
             <a:r>
-              <a:rPr lang="en-US" dirty="0">
+              <a:rPr lang="en-US" dirty="0" smtClean="0">
                 <a:solidFill>
                   <a:srgbClr val="FF8000"/>
                 </a:solidFill>
               </a:rPr>
-              <a:t>Design choice</a:t>
+              <a:t>Summary</a:t>
             </a:r>
             <a:endParaRPr lang="nl-NL" dirty="0">
               <a:solidFill>
@@ -6714,42 +6803,47 @@
           <a:lstStyle/>
           <a:p>
             <a:r>
-              <a:rPr lang="en-US" sz="1400" dirty="0" smtClean="0"/>
-              <a:t>Database considerations</a:t>
+              <a:rPr lang="en-US" sz="1400" b="1" dirty="0" smtClean="0"/>
+              <a:t>User experience</a:t>
             </a:r>
           </a:p>
           <a:p>
             <a:pPr lvl="1"/>
             <a:r>
               <a:rPr lang="en-US" sz="1200" dirty="0" smtClean="0"/>
-              <a:t>Dataset </a:t>
+              <a:t>Organize reviews: simplify </a:t>
+            </a:r>
+            <a:r>
+              <a:rPr lang="en-US" sz="1200" dirty="0"/>
+              <a:t>the process to find the reviews that matter most to consumers by organizing reviews and ratings into specific groups</a:t>
             </a:r>
             <a:r>
               <a:rPr lang="en-US" sz="1200" dirty="0" smtClean="0"/>
-              <a:t>size (~ 60GB after extraction)</a:t>
-            </a:r>
-            <a:endParaRPr lang="en-US" sz="1200" dirty="0" smtClean="0"/>
+              <a:t>.</a:t>
+            </a:r>
           </a:p>
           <a:p>
             <a:pPr lvl="1"/>
             <a:r>
               <a:rPr lang="en-US" sz="1200" dirty="0" smtClean="0"/>
-              <a:t>Data structure (json)</a:t>
+              <a:t>Optimize search experience: for products </a:t>
+            </a:r>
+            <a:r>
+              <a:rPr lang="en-US" sz="1200" dirty="0"/>
+              <a:t>based on customer </a:t>
+            </a:r>
+            <a:r>
+              <a:rPr lang="en-US" sz="1200" dirty="0" smtClean="0"/>
+              <a:t>feedback.</a:t>
             </a:r>
           </a:p>
           <a:p>
             <a:pPr lvl="1"/>
             <a:r>
               <a:rPr lang="en-US" sz="1200" dirty="0" smtClean="0"/>
-              <a:t>Speed</a:t>
-            </a:r>
-          </a:p>
-          <a:p>
-            <a:pPr lvl="1"/>
-            <a:r>
-              <a:rPr lang="en-US" sz="1200" dirty="0" smtClean="0"/>
-              <a:t>Scalability</a:t>
-            </a:r>
+              <a:t>Review text design: re-phrasing the words to </a:t>
+            </a:r>
+            <a:endParaRPr lang="en-US" sz="1200" dirty="0"/>
           </a:p>
           <a:p>
             <a:pPr lvl="1"/>
@@ -6757,24 +6851,89 @@
           </a:p>
           <a:p>
             <a:r>
-              <a:rPr lang="en-US" sz="1400" dirty="0" smtClean="0"/>
-              <a:t>Technical choices</a:t>
+              <a:rPr lang="en-US" sz="1400" b="1" dirty="0" smtClean="0"/>
+              <a:t>Product selection optimization</a:t>
             </a:r>
           </a:p>
           <a:p>
             <a:pPr lvl="1"/>
             <a:r>
               <a:rPr lang="en-US" sz="1200" dirty="0" smtClean="0"/>
-              <a:t>MongoDB to store all the data</a:t>
-            </a:r>
+              <a:t>Make sure adequate </a:t>
+            </a:r>
+            <a:r>
+              <a:rPr lang="en-US" sz="1200" dirty="0"/>
+              <a:t>inventory of highly reviewed products. </a:t>
+            </a:r>
+            <a:endParaRPr lang="en-US" sz="1200" dirty="0" smtClean="0"/>
           </a:p>
           <a:p>
             <a:pPr lvl="1"/>
             <a:r>
               <a:rPr lang="en-US" sz="1200" dirty="0" smtClean="0"/>
-              <a:t>Python for data processing and natural language processing</a:t>
-            </a:r>
-            <a:endParaRPr lang="nl-NL" sz="1200" dirty="0"/>
+              <a:t>Remove </a:t>
+            </a:r>
+            <a:r>
+              <a:rPr lang="en-US" sz="1200" dirty="0"/>
+              <a:t>poorly reviewed </a:t>
+            </a:r>
+            <a:r>
+              <a:rPr lang="en-US" sz="1200" dirty="0" smtClean="0"/>
+              <a:t>products with most </a:t>
+            </a:r>
+            <a:r>
+              <a:rPr lang="en-US" sz="1200" dirty="0"/>
+              <a:t>negative reviews and complaints</a:t>
+            </a:r>
+            <a:r>
+              <a:rPr lang="en-US" sz="1200" dirty="0" smtClean="0"/>
+              <a:t>.</a:t>
+            </a:r>
+          </a:p>
+          <a:p>
+            <a:endParaRPr lang="en-US" sz="1400" dirty="0" smtClean="0"/>
+          </a:p>
+          <a:p>
+            <a:r>
+              <a:rPr lang="en-US" sz="1400" b="1" dirty="0" smtClean="0"/>
+              <a:t>Marketing</a:t>
+            </a:r>
+          </a:p>
+          <a:p>
+            <a:pPr lvl="1"/>
+            <a:r>
+              <a:rPr lang="en-US" sz="1200" dirty="0" smtClean="0"/>
+              <a:t>Provide </a:t>
+            </a:r>
+            <a:r>
+              <a:rPr lang="en-US" sz="1200" dirty="0"/>
+              <a:t>top 10 lists of the products that received the best reviews accessible from </a:t>
+            </a:r>
+            <a:r>
+              <a:rPr lang="en-US" sz="1200" dirty="0" smtClean="0"/>
+              <a:t>the </a:t>
+            </a:r>
+            <a:r>
+              <a:rPr lang="en-US" sz="1200" dirty="0"/>
+              <a:t>product category </a:t>
+            </a:r>
+            <a:r>
+              <a:rPr lang="en-US" sz="1200" dirty="0" smtClean="0"/>
+              <a:t>pages.		</a:t>
+            </a:r>
+          </a:p>
+          <a:p>
+            <a:pPr lvl="1"/>
+            <a:r>
+              <a:rPr lang="en-US" sz="1200" dirty="0" smtClean="0"/>
+              <a:t>Launch marketing campaign based on the top reviewed and rated products.</a:t>
+            </a:r>
+          </a:p>
+          <a:p>
+            <a:endParaRPr lang="en-US" sz="1400" dirty="0" smtClean="0"/>
+          </a:p>
+          <a:p>
+            <a:endParaRPr lang="nl-NL" sz="1400" dirty="0"/>
           </a:p>
         </p:txBody>
       </p:sp>
@@ -6805,7 +6964,7 @@
     </p:spTree>
     <p:extLst>
       <p:ext uri="{BB962C8B-B14F-4D97-AF65-F5344CB8AC3E}">
-        <p14:creationId xmlns:p14="http://schemas.microsoft.com/office/powerpoint/2010/main" val="603714448"/>
+        <p14:creationId xmlns:p14="http://schemas.microsoft.com/office/powerpoint/2010/main" val="247289664"/>
       </p:ext>
     </p:extLst>
   </p:cSld>
@@ -6841,6 +7000,177 @@
       </p:grpSpPr>
       <p:sp>
         <p:nvSpPr>
+          <p:cNvPr id="2" name="Title 1"/>
+          <p:cNvSpPr>
+            <a:spLocks noGrp="1"/>
+          </p:cNvSpPr>
+          <p:nvPr>
+            <p:ph type="title"/>
+          </p:nvPr>
+        </p:nvSpPr>
+        <p:spPr/>
+        <p:txBody>
+          <a:bodyPr vert="horz" lIns="91440" tIns="45720" rIns="91440" bIns="45720" rtlCol="0" anchor="ctr">
+            <a:normAutofit/>
+          </a:bodyPr>
+          <a:lstStyle/>
+          <a:p>
+            <a:r>
+              <a:rPr lang="en-US" dirty="0">
+                <a:solidFill>
+                  <a:srgbClr val="FF8000"/>
+                </a:solidFill>
+              </a:rPr>
+              <a:t>Design choice</a:t>
+            </a:r>
+            <a:endParaRPr lang="nl-NL" dirty="0">
+              <a:solidFill>
+                <a:srgbClr val="FF8000"/>
+              </a:solidFill>
+            </a:endParaRPr>
+          </a:p>
+        </p:txBody>
+      </p:sp>
+      <p:sp>
+        <p:nvSpPr>
+          <p:cNvPr id="3" name="Content Placeholder 2"/>
+          <p:cNvSpPr>
+            <a:spLocks noGrp="1"/>
+          </p:cNvSpPr>
+          <p:nvPr>
+            <p:ph idx="1"/>
+          </p:nvPr>
+        </p:nvSpPr>
+        <p:spPr/>
+        <p:txBody>
+          <a:bodyPr>
+            <a:normAutofit/>
+          </a:bodyPr>
+          <a:lstStyle/>
+          <a:p>
+            <a:r>
+              <a:rPr lang="en-US" sz="1400" dirty="0" smtClean="0"/>
+              <a:t>Database considerations</a:t>
+            </a:r>
+          </a:p>
+          <a:p>
+            <a:pPr lvl="1"/>
+            <a:r>
+              <a:rPr lang="en-US" sz="1200" dirty="0" smtClean="0"/>
+              <a:t>Dataset size (~ 60GB after extraction)</a:t>
+            </a:r>
+          </a:p>
+          <a:p>
+            <a:pPr lvl="1"/>
+            <a:r>
+              <a:rPr lang="en-US" sz="1200" dirty="0" smtClean="0"/>
+              <a:t>Data structure (json)</a:t>
+            </a:r>
+          </a:p>
+          <a:p>
+            <a:pPr lvl="1"/>
+            <a:r>
+              <a:rPr lang="en-US" sz="1200" dirty="0" smtClean="0"/>
+              <a:t>Speed</a:t>
+            </a:r>
+          </a:p>
+          <a:p>
+            <a:pPr lvl="1"/>
+            <a:r>
+              <a:rPr lang="en-US" sz="1200" dirty="0" smtClean="0"/>
+              <a:t>Scalability</a:t>
+            </a:r>
+          </a:p>
+          <a:p>
+            <a:pPr lvl="1"/>
+            <a:endParaRPr lang="en-US" sz="1200" dirty="0" smtClean="0"/>
+          </a:p>
+          <a:p>
+            <a:r>
+              <a:rPr lang="en-US" sz="1400" dirty="0" smtClean="0"/>
+              <a:t>Technical choices</a:t>
+            </a:r>
+          </a:p>
+          <a:p>
+            <a:pPr lvl="1"/>
+            <a:r>
+              <a:rPr lang="en-US" sz="1200" dirty="0" smtClean="0"/>
+              <a:t>MongoDB to store all the data</a:t>
+            </a:r>
+          </a:p>
+          <a:p>
+            <a:pPr lvl="1"/>
+            <a:r>
+              <a:rPr lang="en-US" sz="1200" dirty="0" smtClean="0"/>
+              <a:t>Python for data processing and natural language processing</a:t>
+            </a:r>
+            <a:endParaRPr lang="nl-NL" sz="1200" dirty="0"/>
+          </a:p>
+        </p:txBody>
+      </p:sp>
+      <p:sp>
+        <p:nvSpPr>
+          <p:cNvPr id="4" name="Slide Number Placeholder 3"/>
+          <p:cNvSpPr>
+            <a:spLocks noGrp="1"/>
+          </p:cNvSpPr>
+          <p:nvPr>
+            <p:ph type="sldNum" sz="quarter" idx="12"/>
+          </p:nvPr>
+        </p:nvSpPr>
+        <p:spPr/>
+        <p:txBody>
+          <a:bodyPr/>
+          <a:lstStyle/>
+          <a:p>
+            <a:fld id="{6AA93A8C-BAD3-4A28-9697-7362C21A21C5}" type="slidenum">
+              <a:rPr lang="nl-NL" smtClean="0"/>
+              <a:pPr/>
+              <a:t>12</a:t>
+            </a:fld>
+            <a:endParaRPr lang="nl-NL"/>
+          </a:p>
+        </p:txBody>
+      </p:sp>
+    </p:spTree>
+    <p:extLst>
+      <p:ext uri="{BB962C8B-B14F-4D97-AF65-F5344CB8AC3E}">
+        <p14:creationId xmlns:p14="http://schemas.microsoft.com/office/powerpoint/2010/main" val="603714448"/>
+      </p:ext>
+    </p:extLst>
+  </p:cSld>
+  <p:clrMapOvr>
+    <a:masterClrMapping/>
+  </p:clrMapOvr>
+  <p:timing>
+    <p:tnLst>
+      <p:par>
+        <p:cTn id="1" dur="indefinite" restart="never" nodeType="tmRoot"/>
+      </p:par>
+    </p:tnLst>
+  </p:timing>
+</p:sld>
+</file>
+
+<file path=ppt/slides/slide13.xml><?xml version="1.0" encoding="utf-8"?>
+<p:sld xmlns:a="http://schemas.openxmlformats.org/drawingml/2006/main" xmlns:r="http://schemas.openxmlformats.org/officeDocument/2006/relationships" xmlns:p="http://schemas.openxmlformats.org/presentationml/2006/main">
+  <p:cSld>
+    <p:spTree>
+      <p:nvGrpSpPr>
+        <p:cNvPr id="1" name=""/>
+        <p:cNvGrpSpPr/>
+        <p:nvPr/>
+      </p:nvGrpSpPr>
+      <p:grpSpPr>
+        <a:xfrm>
+          <a:off x="0" y="0"/>
+          <a:ext cx="0" cy="0"/>
+          <a:chOff x="0" y="0"/>
+          <a:chExt cx="0" cy="0"/>
+        </a:xfrm>
+      </p:grpSpPr>
+      <p:sp>
+        <p:nvSpPr>
           <p:cNvPr id="4" name="Title 3"/>
           <p:cNvSpPr>
             <a:spLocks noGrp="1"/>
@@ -7158,7 +7488,7 @@
             <a:fld id="{6AA93A8C-BAD3-4A28-9697-7362C21A21C5}" type="slidenum">
               <a:rPr lang="nl-NL" smtClean="0"/>
               <a:pPr/>
-              <a:t>12</a:t>
+              <a:t>13</a:t>
             </a:fld>
             <a:endParaRPr lang="nl-NL"/>
           </a:p>
@@ -7184,7 +7514,7 @@
 </p:sld>
 </file>
 
-<file path=ppt/slides/slide13.xml><?xml version="1.0" encoding="utf-8"?>
+<file path=ppt/slides/slide14.xml><?xml version="1.0" encoding="utf-8"?>
 <p:sld xmlns:a="http://schemas.openxmlformats.org/drawingml/2006/main" xmlns:r="http://schemas.openxmlformats.org/officeDocument/2006/relationships" xmlns:p="http://schemas.openxmlformats.org/presentationml/2006/main">
   <p:cSld>
     <p:spTree>
@@ -7492,7 +7822,7 @@
             <a:fld id="{6AA93A8C-BAD3-4A28-9697-7362C21A21C5}" type="slidenum">
               <a:rPr lang="nl-NL" smtClean="0"/>
               <a:pPr/>
-              <a:t>13</a:t>
+              <a:t>14</a:t>
             </a:fld>
             <a:endParaRPr lang="nl-NL"/>
           </a:p>
@@ -7954,264 +8284,6 @@
           <a:chExt cx="0" cy="0"/>
         </a:xfrm>
       </p:grpSpPr>
-      <p:sp>
-        <p:nvSpPr>
-          <p:cNvPr id="2" name="Title 1"/>
-          <p:cNvSpPr>
-            <a:spLocks noGrp="1"/>
-          </p:cNvSpPr>
-          <p:nvPr>
-            <p:ph type="title"/>
-          </p:nvPr>
-        </p:nvSpPr>
-        <p:spPr/>
-        <p:txBody>
-          <a:bodyPr vert="horz" lIns="91440" tIns="45720" rIns="91440" bIns="45720" rtlCol="0" anchor="ctr">
-            <a:normAutofit/>
-          </a:bodyPr>
-          <a:lstStyle/>
-          <a:p>
-            <a:r>
-              <a:rPr lang="en-US" dirty="0" smtClean="0">
-                <a:solidFill>
-                  <a:srgbClr val="FF8000"/>
-                </a:solidFill>
-              </a:rPr>
-              <a:t>Executive </a:t>
-            </a:r>
-            <a:r>
-              <a:rPr lang="en-US" dirty="0" smtClean="0">
-                <a:solidFill>
-                  <a:srgbClr val="FF8000"/>
-                </a:solidFill>
-              </a:rPr>
-              <a:t>summary</a:t>
-            </a:r>
-            <a:endParaRPr lang="nl-NL" dirty="0">
-              <a:solidFill>
-                <a:srgbClr val="FF8000"/>
-              </a:solidFill>
-            </a:endParaRPr>
-          </a:p>
-        </p:txBody>
-      </p:sp>
-      <p:sp>
-        <p:nvSpPr>
-          <p:cNvPr id="3" name="Content Placeholder 2"/>
-          <p:cNvSpPr>
-            <a:spLocks noGrp="1"/>
-          </p:cNvSpPr>
-          <p:nvPr>
-            <p:ph idx="1"/>
-          </p:nvPr>
-        </p:nvSpPr>
-        <p:spPr/>
-        <p:txBody>
-          <a:bodyPr>
-            <a:normAutofit/>
-          </a:bodyPr>
-          <a:lstStyle/>
-          <a:p>
-            <a:r>
-              <a:rPr lang="en-US" sz="1400" b="1" dirty="0" smtClean="0"/>
-              <a:t>User experience</a:t>
-            </a:r>
-          </a:p>
-          <a:p>
-            <a:pPr lvl="1"/>
-            <a:r>
-              <a:rPr lang="en-US" sz="1200" dirty="0" smtClean="0"/>
-              <a:t>Organize </a:t>
-            </a:r>
-            <a:r>
-              <a:rPr lang="en-US" sz="1200" dirty="0" smtClean="0"/>
-              <a:t>reviews: simplify </a:t>
-            </a:r>
-            <a:r>
-              <a:rPr lang="en-US" sz="1200" dirty="0"/>
-              <a:t>the process to find the reviews that matter most to consumers by organizing reviews and ratings into specific groups</a:t>
-            </a:r>
-            <a:r>
-              <a:rPr lang="en-US" sz="1200" dirty="0" smtClean="0"/>
-              <a:t>.</a:t>
-            </a:r>
-          </a:p>
-          <a:p>
-            <a:pPr lvl="1"/>
-            <a:r>
-              <a:rPr lang="en-US" sz="1200" dirty="0" smtClean="0"/>
-              <a:t>Optimize search experience: for products </a:t>
-            </a:r>
-            <a:r>
-              <a:rPr lang="en-US" sz="1200" dirty="0"/>
-              <a:t>based on customer </a:t>
-            </a:r>
-            <a:r>
-              <a:rPr lang="en-US" sz="1200" dirty="0" smtClean="0"/>
-              <a:t>feedback.</a:t>
-            </a:r>
-          </a:p>
-          <a:p>
-            <a:pPr lvl="1"/>
-            <a:r>
-              <a:rPr lang="en-US" sz="1200" dirty="0" smtClean="0"/>
-              <a:t>Review text design: re-phrasing the words to </a:t>
-            </a:r>
-            <a:endParaRPr lang="en-US" sz="1200" dirty="0"/>
-          </a:p>
-          <a:p>
-            <a:pPr lvl="1"/>
-            <a:endParaRPr lang="en-US" sz="1200" dirty="0" smtClean="0"/>
-          </a:p>
-          <a:p>
-            <a:r>
-              <a:rPr lang="en-US" sz="1400" b="1" dirty="0" smtClean="0"/>
-              <a:t>Product selection optimization</a:t>
-            </a:r>
-          </a:p>
-          <a:p>
-            <a:pPr lvl="1"/>
-            <a:r>
-              <a:rPr lang="en-US" sz="1200" dirty="0" smtClean="0"/>
-              <a:t>Make sure adequate </a:t>
-            </a:r>
-            <a:r>
-              <a:rPr lang="en-US" sz="1200" dirty="0"/>
-              <a:t>inventory of highly reviewed products. </a:t>
-            </a:r>
-            <a:endParaRPr lang="en-US" sz="1200" dirty="0" smtClean="0"/>
-          </a:p>
-          <a:p>
-            <a:pPr lvl="1"/>
-            <a:r>
-              <a:rPr lang="en-US" sz="1200" dirty="0" smtClean="0"/>
-              <a:t>Remove </a:t>
-            </a:r>
-            <a:r>
-              <a:rPr lang="en-US" sz="1200" dirty="0"/>
-              <a:t>poorly reviewed </a:t>
-            </a:r>
-            <a:r>
-              <a:rPr lang="en-US" sz="1200" dirty="0" smtClean="0"/>
-              <a:t>products with most </a:t>
-            </a:r>
-            <a:r>
-              <a:rPr lang="en-US" sz="1200" dirty="0"/>
-              <a:t>negative reviews and complaints</a:t>
-            </a:r>
-            <a:r>
-              <a:rPr lang="en-US" sz="1200" dirty="0" smtClean="0"/>
-              <a:t>.</a:t>
-            </a:r>
-          </a:p>
-          <a:p>
-            <a:endParaRPr lang="en-US" sz="1400" dirty="0" smtClean="0"/>
-          </a:p>
-          <a:p>
-            <a:r>
-              <a:rPr lang="en-US" sz="1400" b="1" dirty="0" smtClean="0"/>
-              <a:t>Marketing</a:t>
-            </a:r>
-          </a:p>
-          <a:p>
-            <a:pPr lvl="1"/>
-            <a:r>
-              <a:rPr lang="en-US" sz="1200" dirty="0" smtClean="0"/>
-              <a:t>Provide </a:t>
-            </a:r>
-            <a:r>
-              <a:rPr lang="en-US" sz="1200" dirty="0"/>
-              <a:t>top 10 lists of the products that received the best reviews accessible from </a:t>
-            </a:r>
-            <a:r>
-              <a:rPr lang="en-US" sz="1200" dirty="0" smtClean="0"/>
-              <a:t>the </a:t>
-            </a:r>
-            <a:r>
-              <a:rPr lang="en-US" sz="1200" dirty="0"/>
-              <a:t>product category </a:t>
-            </a:r>
-            <a:r>
-              <a:rPr lang="en-US" sz="1200" dirty="0" smtClean="0"/>
-              <a:t>pages.		</a:t>
-            </a:r>
-          </a:p>
-          <a:p>
-            <a:pPr lvl="1"/>
-            <a:r>
-              <a:rPr lang="en-US" sz="1200" dirty="0" smtClean="0"/>
-              <a:t>Launch marketing campaign based on the top reviewed and rated products.</a:t>
-            </a:r>
-          </a:p>
-          <a:p>
-            <a:endParaRPr lang="en-US" sz="1400" dirty="0" smtClean="0"/>
-          </a:p>
-          <a:p>
-            <a:endParaRPr lang="nl-NL" sz="1400" dirty="0"/>
-          </a:p>
-        </p:txBody>
-      </p:sp>
-      <p:sp>
-        <p:nvSpPr>
-          <p:cNvPr id="4" name="Slide Number Placeholder 3"/>
-          <p:cNvSpPr>
-            <a:spLocks noGrp="1"/>
-          </p:cNvSpPr>
-          <p:nvPr>
-            <p:ph type="sldNum" sz="quarter" idx="12"/>
-          </p:nvPr>
-        </p:nvSpPr>
-        <p:spPr/>
-        <p:txBody>
-          <a:bodyPr/>
-          <a:lstStyle/>
-          <a:p>
-            <a:fld id="{6AA93A8C-BAD3-4A28-9697-7362C21A21C5}" type="slidenum">
-              <a:rPr lang="nl-NL" smtClean="0"/>
-              <a:pPr/>
-              <a:t>3</a:t>
-            </a:fld>
-            <a:endParaRPr lang="nl-NL"/>
-          </a:p>
-        </p:txBody>
-      </p:sp>
-    </p:spTree>
-    <p:extLst>
-      <p:ext uri="{BB962C8B-B14F-4D97-AF65-F5344CB8AC3E}">
-        <p14:creationId xmlns:p14="http://schemas.microsoft.com/office/powerpoint/2010/main" val="247289664"/>
-      </p:ext>
-    </p:extLst>
-  </p:cSld>
-  <p:clrMapOvr>
-    <a:masterClrMapping/>
-  </p:clrMapOvr>
-  <p:timing>
-    <p:tnLst>
-      <p:par>
-        <p:cTn id="1" dur="indefinite" restart="never" nodeType="tmRoot"/>
-      </p:par>
-    </p:tnLst>
-  </p:timing>
-</p:sld>
-</file>
-
-<file path=ppt/slides/slide4.xml><?xml version="1.0" encoding="utf-8"?>
-<p:sld xmlns:a="http://schemas.openxmlformats.org/drawingml/2006/main" xmlns:r="http://schemas.openxmlformats.org/officeDocument/2006/relationships" xmlns:p="http://schemas.openxmlformats.org/presentationml/2006/main">
-  <p:cSld>
-    <p:spTree>
-      <p:nvGrpSpPr>
-        <p:cNvPr id="1" name=""/>
-        <p:cNvGrpSpPr/>
-        <p:nvPr/>
-      </p:nvGrpSpPr>
-      <p:grpSpPr>
-        <a:xfrm>
-          <a:off x="0" y="0"/>
-          <a:ext cx="0" cy="0"/>
-          <a:chOff x="0" y="0"/>
-          <a:chExt cx="0" cy="0"/>
-        </a:xfrm>
-      </p:grpSpPr>
       <p:graphicFrame>
         <p:nvGraphicFramePr>
           <p:cNvPr id="9" name="Chart 8"/>
@@ -8381,15 +8453,7 @@
             <a:pPr lvl="1"/>
             <a:r>
               <a:rPr lang="en-US" dirty="0" smtClean="0"/>
-              <a:t>Customer dissatisfaction is the main reason of churn. </a:t>
-            </a:r>
-            <a:r>
-              <a:rPr lang="en-US" dirty="0" smtClean="0"/>
-              <a:t>Besides, </a:t>
-            </a:r>
-            <a:r>
-              <a:rPr lang="en-US" dirty="0" smtClean="0"/>
-              <a:t>due to the word-of-mouth effect, it is crucial to understand dissatisfaction reasons to avoid negative brand image. </a:t>
+              <a:t>Customer dissatisfaction is the main reason of churn. Besides, due to the word-of-mouth effect, it is crucial to understand dissatisfaction reasons to avoid negative brand image. </a:t>
             </a:r>
           </a:p>
           <a:p>
@@ -9433,7 +9497,7 @@
             <a:fld id="{6AA93A8C-BAD3-4A28-9697-7362C21A21C5}" type="slidenum">
               <a:rPr lang="nl-NL" smtClean="0"/>
               <a:pPr/>
-              <a:t>4</a:t>
+              <a:t>3</a:t>
             </a:fld>
             <a:endParaRPr lang="nl-NL"/>
           </a:p>
@@ -9459,7 +9523,7 @@
 </p:sld>
 </file>
 
-<file path=ppt/slides/slide5.xml><?xml version="1.0" encoding="utf-8"?>
+<file path=ppt/slides/slide4.xml><?xml version="1.0" encoding="utf-8"?>
 <p:sld xmlns:a="http://schemas.openxmlformats.org/drawingml/2006/main" xmlns:r="http://schemas.openxmlformats.org/officeDocument/2006/relationships" xmlns:p="http://schemas.openxmlformats.org/presentationml/2006/main">
   <p:cSld>
     <p:spTree>
@@ -9521,15 +9585,7 @@
           <a:p>
             <a:r>
               <a:rPr lang="en-US" dirty="0" smtClean="0"/>
-              <a:t>Take CD business as an example, the composition of an above 4.5-star rating, </a:t>
-            </a:r>
-            <a:r>
-              <a:rPr lang="en-US" dirty="0" smtClean="0"/>
-              <a:t>we need</a:t>
-            </a:r>
-            <a:r>
-              <a:rPr lang="en-US" dirty="0" smtClean="0"/>
-              <a:t>…</a:t>
+              <a:t>Take CD business as an example, the composition of an above 4.5-star rating, we need…</a:t>
             </a:r>
           </a:p>
         </p:txBody>
@@ -9613,23 +9669,7 @@
           <a:p>
             <a:r>
               <a:rPr lang="en-US" dirty="0" smtClean="0"/>
-              <a:t>For the phone &amp; accessories business to improve </a:t>
-            </a:r>
-            <a:r>
-              <a:rPr lang="en-US" dirty="0" smtClean="0"/>
-              <a:t>by 0.5 </a:t>
-            </a:r>
-            <a:r>
-              <a:rPr lang="en-US" dirty="0" smtClean="0"/>
-              <a:t>star, per 100 people </a:t>
-            </a:r>
-            <a:r>
-              <a:rPr lang="en-US" dirty="0" smtClean="0"/>
-              <a:t>we need</a:t>
-            </a:r>
-            <a:r>
-              <a:rPr lang="en-US" dirty="0" smtClean="0"/>
-              <a:t>…</a:t>
+              <a:t>For the phone &amp; accessories business to improve by 0.5 star, per 100 people we need…</a:t>
             </a:r>
           </a:p>
         </p:txBody>
@@ -9801,7 +9841,7 @@
             <a:fld id="{6AA93A8C-BAD3-4A28-9697-7362C21A21C5}" type="slidenum">
               <a:rPr lang="nl-NL" smtClean="0"/>
               <a:pPr/>
-              <a:t>5</a:t>
+              <a:t>4</a:t>
             </a:fld>
             <a:endParaRPr lang="nl-NL"/>
           </a:p>
@@ -9811,6 +9851,280 @@
     <p:extLst>
       <p:ext uri="{BB962C8B-B14F-4D97-AF65-F5344CB8AC3E}">
         <p14:creationId xmlns:p14="http://schemas.microsoft.com/office/powerpoint/2010/main" val="1631975194"/>
+      </p:ext>
+    </p:extLst>
+  </p:cSld>
+  <p:clrMapOvr>
+    <a:masterClrMapping/>
+  </p:clrMapOvr>
+  <p:timing>
+    <p:tnLst>
+      <p:par>
+        <p:cTn id="1" dur="indefinite" restart="never" nodeType="tmRoot"/>
+      </p:par>
+    </p:tnLst>
+  </p:timing>
+</p:sld>
+</file>
+
+<file path=ppt/slides/slide5.xml><?xml version="1.0" encoding="utf-8"?>
+<p:sld xmlns:a="http://schemas.openxmlformats.org/drawingml/2006/main" xmlns:r="http://schemas.openxmlformats.org/officeDocument/2006/relationships" xmlns:p="http://schemas.openxmlformats.org/presentationml/2006/main">
+  <p:cSld>
+    <p:spTree>
+      <p:nvGrpSpPr>
+        <p:cNvPr id="1" name=""/>
+        <p:cNvGrpSpPr/>
+        <p:nvPr/>
+      </p:nvGrpSpPr>
+      <p:grpSpPr>
+        <a:xfrm>
+          <a:off x="0" y="0"/>
+          <a:ext cx="0" cy="0"/>
+          <a:chOff x="0" y="0"/>
+          <a:chExt cx="0" cy="0"/>
+        </a:xfrm>
+      </p:grpSpPr>
+      <p:sp>
+        <p:nvSpPr>
+          <p:cNvPr id="2" name="Title 1"/>
+          <p:cNvSpPr>
+            <a:spLocks noGrp="1"/>
+          </p:cNvSpPr>
+          <p:nvPr>
+            <p:ph type="title"/>
+          </p:nvPr>
+        </p:nvSpPr>
+        <p:spPr/>
+        <p:txBody>
+          <a:bodyPr/>
+          <a:lstStyle/>
+          <a:p>
+            <a:r>
+              <a:rPr lang="en-US" dirty="0" smtClean="0"/>
+              <a:t>Customer review text: overview</a:t>
+            </a:r>
+            <a:endParaRPr lang="nl-NL" dirty="0"/>
+          </a:p>
+        </p:txBody>
+      </p:sp>
+      <p:sp>
+        <p:nvSpPr>
+          <p:cNvPr id="6" name="Content Placeholder 5"/>
+          <p:cNvSpPr>
+            <a:spLocks noGrp="1"/>
+          </p:cNvSpPr>
+          <p:nvPr>
+            <p:ph sz="half" idx="1"/>
+          </p:nvPr>
+        </p:nvSpPr>
+        <p:spPr/>
+        <p:txBody>
+          <a:bodyPr>
+            <a:normAutofit lnSpcReduction="10000"/>
+          </a:bodyPr>
+          <a:lstStyle/>
+          <a:p>
+            <a:r>
+              <a:rPr lang="en-US" b="1" dirty="0" smtClean="0"/>
+              <a:t>Observations</a:t>
+            </a:r>
+          </a:p>
+          <a:p>
+            <a:pPr marL="457200" lvl="1" indent="0">
+              <a:buNone/>
+            </a:pPr>
+            <a:r>
+              <a:rPr lang="en-US" u="sng" dirty="0" smtClean="0"/>
+              <a:t>Number of reviews per product</a:t>
+            </a:r>
+          </a:p>
+          <a:p>
+            <a:pPr lvl="1"/>
+            <a:r>
+              <a:rPr lang="en-US" dirty="0" smtClean="0"/>
+              <a:t>On average each product receives </a:t>
+            </a:r>
+            <a:r>
+              <a:rPr lang="en-US" dirty="0" smtClean="0">
+                <a:solidFill>
+                  <a:srgbClr val="FF8000"/>
+                </a:solidFill>
+              </a:rPr>
+              <a:t>2.70</a:t>
+            </a:r>
+            <a:r>
+              <a:rPr lang="en-US" dirty="0" smtClean="0"/>
+              <a:t> reviews. 95% of the products received no more than 8 reviews.</a:t>
+            </a:r>
+          </a:p>
+          <a:p>
+            <a:pPr lvl="1"/>
+            <a:r>
+              <a:rPr lang="en-US" dirty="0" smtClean="0"/>
+              <a:t>Product reviews exhibit a </a:t>
+            </a:r>
+            <a:r>
+              <a:rPr lang="en-US" dirty="0" smtClean="0">
+                <a:solidFill>
+                  <a:srgbClr val="FF8000"/>
+                </a:solidFill>
+              </a:rPr>
+              <a:t>long-tail effect</a:t>
+            </a:r>
+            <a:r>
+              <a:rPr lang="en-US" dirty="0" smtClean="0"/>
+              <a:t>, i.e. only a few products receive an extremely large amount of reviews, whereas the majority of products receive only one or two reviews.</a:t>
+            </a:r>
+          </a:p>
+          <a:p>
+            <a:pPr lvl="1"/>
+            <a:r>
+              <a:rPr lang="en-US" dirty="0" smtClean="0"/>
+              <a:t>Customers are likely to </a:t>
+            </a:r>
+            <a:r>
+              <a:rPr lang="en-US" dirty="0" smtClean="0">
+                <a:solidFill>
+                  <a:srgbClr val="FF8000"/>
+                </a:solidFill>
+              </a:rPr>
+              <a:t>write long reviews for high priced (&gt;=100$) product</a:t>
+            </a:r>
+            <a:r>
+              <a:rPr lang="en-US" dirty="0" smtClean="0"/>
+              <a:t>. The length of reviews is slightly positively correlated (correlation = 0.14, significance level = 0.01) with the price. No correlation is observed between number of reviews and price.</a:t>
+            </a:r>
+          </a:p>
+          <a:p>
+            <a:r>
+              <a:rPr lang="en-US" b="1" dirty="0" smtClean="0"/>
+              <a:t>Recommendations</a:t>
+            </a:r>
+          </a:p>
+          <a:p>
+            <a:pPr lvl="1"/>
+            <a:r>
+              <a:rPr lang="en-US" dirty="0" smtClean="0"/>
+              <a:t>Customers are cautious when buying expensive products, therefore it is crucial that plenty of reviews with sufficient information exist for expensive products.</a:t>
+            </a:r>
+          </a:p>
+          <a:p>
+            <a:pPr lvl="1"/>
+            <a:r>
+              <a:rPr lang="en-US" dirty="0" smtClean="0"/>
+              <a:t>For customers who bought expensive product, they need to be encouraged to write more reviews by sending notifications / reward points / coupons.</a:t>
+            </a:r>
+            <a:endParaRPr lang="nl-NL" dirty="0"/>
+          </a:p>
+        </p:txBody>
+      </p:sp>
+      <p:sp>
+        <p:nvSpPr>
+          <p:cNvPr id="9" name="Slide Number Placeholder 8"/>
+          <p:cNvSpPr>
+            <a:spLocks noGrp="1"/>
+          </p:cNvSpPr>
+          <p:nvPr>
+            <p:ph type="sldNum" sz="quarter" idx="12"/>
+          </p:nvPr>
+        </p:nvSpPr>
+        <p:spPr/>
+        <p:txBody>
+          <a:bodyPr/>
+          <a:lstStyle/>
+          <a:p>
+            <a:fld id="{6AA93A8C-BAD3-4A28-9697-7362C21A21C5}" type="slidenum">
+              <a:rPr lang="nl-NL" smtClean="0"/>
+              <a:pPr/>
+              <a:t>5</a:t>
+            </a:fld>
+            <a:endParaRPr lang="nl-NL"/>
+          </a:p>
+        </p:txBody>
+      </p:sp>
+      <p:pic>
+        <p:nvPicPr>
+          <p:cNvPr id="32" name="Picture 31"/>
+          <p:cNvPicPr>
+            <a:picLocks noChangeAspect="1"/>
+          </p:cNvPicPr>
+          <p:nvPr/>
+        </p:nvPicPr>
+        <p:blipFill>
+          <a:blip r:embed="rId2"/>
+          <a:stretch>
+            <a:fillRect/>
+          </a:stretch>
+        </p:blipFill>
+        <p:spPr>
+          <a:xfrm>
+            <a:off x="5735842" y="1239637"/>
+            <a:ext cx="5694158" cy="1030313"/>
+          </a:xfrm>
+          <a:prstGeom prst="rect">
+            <a:avLst/>
+          </a:prstGeom>
+        </p:spPr>
+      </p:pic>
+      <p:sp>
+        <p:nvSpPr>
+          <p:cNvPr id="33" name="TextBox 32"/>
+          <p:cNvSpPr txBox="1"/>
+          <p:nvPr/>
+        </p:nvSpPr>
+        <p:spPr>
+          <a:xfrm>
+            <a:off x="6172200" y="931860"/>
+            <a:ext cx="5181600" cy="307777"/>
+          </a:xfrm>
+          <a:prstGeom prst="rect">
+            <a:avLst/>
+          </a:prstGeom>
+          <a:noFill/>
+        </p:spPr>
+        <p:txBody>
+          <a:bodyPr wrap="square" rtlCol="0">
+            <a:spAutoFit/>
+          </a:bodyPr>
+          <a:lstStyle/>
+          <a:p>
+            <a:pPr algn="ctr"/>
+            <a:r>
+              <a:rPr lang="en-US" sz="1400" b="1" dirty="0" smtClean="0"/>
+              <a:t># reviews received per product</a:t>
+            </a:r>
+            <a:endParaRPr lang="nl-NL" sz="1400" b="1" dirty="0"/>
+          </a:p>
+        </p:txBody>
+      </p:sp>
+      <p:pic>
+        <p:nvPicPr>
+          <p:cNvPr id="4" name="Picture 3"/>
+          <p:cNvPicPr>
+            <a:picLocks noChangeAspect="1"/>
+          </p:cNvPicPr>
+          <p:nvPr/>
+        </p:nvPicPr>
+        <p:blipFill>
+          <a:blip r:embed="rId3"/>
+          <a:stretch>
+            <a:fillRect/>
+          </a:stretch>
+        </p:blipFill>
+        <p:spPr>
+          <a:xfrm>
+            <a:off x="6172200" y="2680143"/>
+            <a:ext cx="5261304" cy="3676207"/>
+          </a:xfrm>
+          <a:prstGeom prst="rect">
+            <a:avLst/>
+          </a:prstGeom>
+        </p:spPr>
+      </p:pic>
+    </p:spTree>
+    <p:extLst>
+      <p:ext uri="{BB962C8B-B14F-4D97-AF65-F5344CB8AC3E}">
+        <p14:creationId xmlns:p14="http://schemas.microsoft.com/office/powerpoint/2010/main" val="2715933138"/>
       </p:ext>
     </p:extLst>
   </p:cSld>
@@ -9860,294 +10174,6 @@
           <a:lstStyle/>
           <a:p>
             <a:r>
-              <a:rPr lang="en-US" dirty="0" smtClean="0"/>
-              <a:t>Customer review text: overview</a:t>
-            </a:r>
-            <a:endParaRPr lang="nl-NL" dirty="0"/>
-          </a:p>
-        </p:txBody>
-      </p:sp>
-      <p:sp>
-        <p:nvSpPr>
-          <p:cNvPr id="6" name="Content Placeholder 5"/>
-          <p:cNvSpPr>
-            <a:spLocks noGrp="1"/>
-          </p:cNvSpPr>
-          <p:nvPr>
-            <p:ph sz="half" idx="1"/>
-          </p:nvPr>
-        </p:nvSpPr>
-        <p:spPr/>
-        <p:txBody>
-          <a:bodyPr>
-            <a:normAutofit lnSpcReduction="10000"/>
-          </a:bodyPr>
-          <a:lstStyle/>
-          <a:p>
-            <a:r>
-              <a:rPr lang="en-US" b="1" dirty="0" smtClean="0"/>
-              <a:t>Observations</a:t>
-            </a:r>
-          </a:p>
-          <a:p>
-            <a:pPr marL="457200" lvl="1" indent="0">
-              <a:buNone/>
-            </a:pPr>
-            <a:r>
-              <a:rPr lang="en-US" u="sng" dirty="0" smtClean="0"/>
-              <a:t>Number of reviews </a:t>
-            </a:r>
-            <a:r>
-              <a:rPr lang="en-US" u="sng" dirty="0" smtClean="0"/>
-              <a:t>per product</a:t>
-            </a:r>
-          </a:p>
-          <a:p>
-            <a:pPr lvl="1"/>
-            <a:r>
-              <a:rPr lang="en-US" dirty="0" smtClean="0"/>
-              <a:t>On average each product receives </a:t>
-            </a:r>
-            <a:r>
-              <a:rPr lang="en-US" dirty="0" smtClean="0">
-                <a:solidFill>
-                  <a:srgbClr val="FF8000"/>
-                </a:solidFill>
-              </a:rPr>
-              <a:t>2.70</a:t>
-            </a:r>
-            <a:r>
-              <a:rPr lang="en-US" dirty="0" smtClean="0"/>
-              <a:t> reviews. 95% of the products received no more than 8 reviews.</a:t>
-            </a:r>
-          </a:p>
-          <a:p>
-            <a:pPr lvl="1"/>
-            <a:r>
-              <a:rPr lang="en-US" dirty="0" smtClean="0"/>
-              <a:t>Product reviews exhibit a </a:t>
-            </a:r>
-            <a:r>
-              <a:rPr lang="en-US" dirty="0" smtClean="0">
-                <a:solidFill>
-                  <a:srgbClr val="FF8000"/>
-                </a:solidFill>
-              </a:rPr>
-              <a:t>long-tail effect</a:t>
-            </a:r>
-            <a:r>
-              <a:rPr lang="en-US" dirty="0" smtClean="0"/>
-              <a:t>, i.e. only a few products receive an extremely large amount of reviews, whereas the majority of products receive only one or two reviews</a:t>
-            </a:r>
-            <a:r>
-              <a:rPr lang="en-US" dirty="0" smtClean="0"/>
-              <a:t>.</a:t>
-            </a:r>
-          </a:p>
-          <a:p>
-            <a:pPr lvl="1"/>
-            <a:r>
-              <a:rPr lang="en-US" dirty="0" smtClean="0"/>
-              <a:t>Customers are likely to </a:t>
-            </a:r>
-            <a:r>
-              <a:rPr lang="en-US" dirty="0" smtClean="0">
-                <a:solidFill>
-                  <a:srgbClr val="FF8000"/>
-                </a:solidFill>
-              </a:rPr>
-              <a:t>write long reviews for high priced (&gt;=100$) product</a:t>
-            </a:r>
-            <a:r>
-              <a:rPr lang="en-US" dirty="0" smtClean="0"/>
-              <a:t>. The length of reviews is slightly positively correlated (correlation = 0.14, significance level = 0.01) with the price. No correlation is observed between number of reviews and price.</a:t>
-            </a:r>
-            <a:endParaRPr lang="en-US" dirty="0" smtClean="0"/>
-          </a:p>
-          <a:p>
-            <a:r>
-              <a:rPr lang="en-US" b="1" dirty="0" smtClean="0"/>
-              <a:t>Recommendations</a:t>
-            </a:r>
-          </a:p>
-          <a:p>
-            <a:pPr lvl="1"/>
-            <a:r>
-              <a:rPr lang="en-US" dirty="0" smtClean="0"/>
-              <a:t>Customers are cautious when buying expensive products, therefore it is crucial that plenty of reviews with sufficient information exist for expensive products.</a:t>
-            </a:r>
-          </a:p>
-          <a:p>
-            <a:pPr lvl="1"/>
-            <a:r>
-              <a:rPr lang="en-US" dirty="0" smtClean="0"/>
-              <a:t>For customers who bought expensive product, they need to be encouraged to write more reviews by sending notifications / reward points / coupons.</a:t>
-            </a:r>
-            <a:endParaRPr lang="nl-NL" dirty="0"/>
-          </a:p>
-        </p:txBody>
-      </p:sp>
-      <p:pic>
-        <p:nvPicPr>
-          <p:cNvPr id="8" name="Content Placeholder 7"/>
-          <p:cNvPicPr>
-            <a:picLocks noGrp="1" noChangeAspect="1"/>
-          </p:cNvPicPr>
-          <p:nvPr>
-            <p:ph sz="half" idx="2"/>
-          </p:nvPr>
-        </p:nvPicPr>
-        <p:blipFill>
-          <a:blip r:embed="rId2">
-            <a:extLst>
-              <a:ext uri="{28A0092B-C50C-407E-A947-70E740481C1C}">
-                <a14:useLocalDpi xmlns:a14="http://schemas.microsoft.com/office/drawing/2010/main" val="0"/>
-              </a:ext>
-            </a:extLst>
-          </a:blip>
-          <a:stretch>
-            <a:fillRect/>
-          </a:stretch>
-        </p:blipFill>
-        <p:spPr>
-          <a:xfrm>
-            <a:off x="6172200" y="2673275"/>
-            <a:ext cx="5181600" cy="3865637"/>
-          </a:xfrm>
-        </p:spPr>
-      </p:pic>
-      <p:sp>
-        <p:nvSpPr>
-          <p:cNvPr id="9" name="Slide Number Placeholder 8"/>
-          <p:cNvSpPr>
-            <a:spLocks noGrp="1"/>
-          </p:cNvSpPr>
-          <p:nvPr>
-            <p:ph type="sldNum" sz="quarter" idx="12"/>
-          </p:nvPr>
-        </p:nvSpPr>
-        <p:spPr/>
-        <p:txBody>
-          <a:bodyPr/>
-          <a:lstStyle/>
-          <a:p>
-            <a:fld id="{6AA93A8C-BAD3-4A28-9697-7362C21A21C5}" type="slidenum">
-              <a:rPr lang="nl-NL" smtClean="0"/>
-              <a:pPr/>
-              <a:t>6</a:t>
-            </a:fld>
-            <a:endParaRPr lang="nl-NL"/>
-          </a:p>
-        </p:txBody>
-      </p:sp>
-      <p:pic>
-        <p:nvPicPr>
-          <p:cNvPr id="32" name="Picture 31"/>
-          <p:cNvPicPr>
-            <a:picLocks noChangeAspect="1"/>
-          </p:cNvPicPr>
-          <p:nvPr/>
-        </p:nvPicPr>
-        <p:blipFill>
-          <a:blip r:embed="rId3"/>
-          <a:stretch>
-            <a:fillRect/>
-          </a:stretch>
-        </p:blipFill>
-        <p:spPr>
-          <a:xfrm>
-            <a:off x="5735842" y="970693"/>
-            <a:ext cx="5694158" cy="1030313"/>
-          </a:xfrm>
-          <a:prstGeom prst="rect">
-            <a:avLst/>
-          </a:prstGeom>
-        </p:spPr>
-      </p:pic>
-      <p:sp>
-        <p:nvSpPr>
-          <p:cNvPr id="33" name="TextBox 32"/>
-          <p:cNvSpPr txBox="1"/>
-          <p:nvPr/>
-        </p:nvSpPr>
-        <p:spPr>
-          <a:xfrm>
-            <a:off x="6172200" y="662916"/>
-            <a:ext cx="5181600" cy="307777"/>
-          </a:xfrm>
-          <a:prstGeom prst="rect">
-            <a:avLst/>
-          </a:prstGeom>
-          <a:noFill/>
-        </p:spPr>
-        <p:txBody>
-          <a:bodyPr wrap="square" rtlCol="0">
-            <a:spAutoFit/>
-          </a:bodyPr>
-          <a:lstStyle/>
-          <a:p>
-            <a:pPr algn="ctr"/>
-            <a:r>
-              <a:rPr lang="en-US" sz="1400" b="1" dirty="0" smtClean="0"/>
-              <a:t># reviews received per product</a:t>
-            </a:r>
-            <a:endParaRPr lang="nl-NL" sz="1400" b="1" dirty="0"/>
-          </a:p>
-        </p:txBody>
-      </p:sp>
-    </p:spTree>
-    <p:extLst>
-      <p:ext uri="{BB962C8B-B14F-4D97-AF65-F5344CB8AC3E}">
-        <p14:creationId xmlns:p14="http://schemas.microsoft.com/office/powerpoint/2010/main" val="2715933138"/>
-      </p:ext>
-    </p:extLst>
-  </p:cSld>
-  <p:clrMapOvr>
-    <a:masterClrMapping/>
-  </p:clrMapOvr>
-  <p:timing>
-    <p:tnLst>
-      <p:par>
-        <p:cTn id="1" dur="indefinite" restart="never" nodeType="tmRoot"/>
-      </p:par>
-    </p:tnLst>
-  </p:timing>
-</p:sld>
-</file>
-
-<file path=ppt/slides/slide7.xml><?xml version="1.0" encoding="utf-8"?>
-<p:sld xmlns:a="http://schemas.openxmlformats.org/drawingml/2006/main" xmlns:r="http://schemas.openxmlformats.org/officeDocument/2006/relationships" xmlns:p="http://schemas.openxmlformats.org/presentationml/2006/main">
-  <p:cSld>
-    <p:spTree>
-      <p:nvGrpSpPr>
-        <p:cNvPr id="1" name=""/>
-        <p:cNvGrpSpPr/>
-        <p:nvPr/>
-      </p:nvGrpSpPr>
-      <p:grpSpPr>
-        <a:xfrm>
-          <a:off x="0" y="0"/>
-          <a:ext cx="0" cy="0"/>
-          <a:chOff x="0" y="0"/>
-          <a:chExt cx="0" cy="0"/>
-        </a:xfrm>
-      </p:grpSpPr>
-      <p:sp>
-        <p:nvSpPr>
-          <p:cNvPr id="2" name="Title 1"/>
-          <p:cNvSpPr>
-            <a:spLocks noGrp="1"/>
-          </p:cNvSpPr>
-          <p:nvPr>
-            <p:ph type="title"/>
-          </p:nvPr>
-        </p:nvSpPr>
-        <p:spPr/>
-        <p:txBody>
-          <a:bodyPr/>
-          <a:lstStyle/>
-          <a:p>
-            <a:r>
               <a:rPr lang="en-US" dirty="0"/>
               <a:t>Customer review text: overview</a:t>
             </a:r>
@@ -10267,7 +10293,23 @@
             <a:pPr lvl="1"/>
             <a:r>
               <a:rPr lang="en-US" dirty="0" smtClean="0"/>
-              <a:t>Suggestion is to change the tone for the description in the review text box, instead of “X more words required”, we can encourage users by saying “Good work! Just write one more sentence and you will be helping 10 other people making their decisions when buying this product!” or showing a progress bar which interactively changes when the user types.</a:t>
+              <a:t>Suggestion is to change the tone for the description in the review text box, instead of “X more words required”, we can encourage users by saying “Good work! Just write one more sentence and you will be helping 10 other people making their decisions when buying this product</a:t>
+            </a:r>
+            <a:r>
+              <a:rPr lang="en-US" dirty="0" smtClean="0"/>
+              <a:t>!”, </a:t>
+            </a:r>
+            <a:r>
+              <a:rPr lang="en-US" dirty="0" smtClean="0"/>
+              <a:t>or showing a progress bar </a:t>
+            </a:r>
+            <a:r>
+              <a:rPr lang="en-US" dirty="0" smtClean="0"/>
+              <a:t>interactively changing </a:t>
+            </a:r>
+            <a:r>
+              <a:rPr lang="en-US" dirty="0" smtClean="0"/>
+              <a:t>when the user types.</a:t>
             </a:r>
             <a:endParaRPr lang="nl-NL" dirty="0"/>
           </a:p>
@@ -10358,7 +10400,7 @@
             <a:fld id="{6AA93A8C-BAD3-4A28-9697-7362C21A21C5}" type="slidenum">
               <a:rPr lang="nl-NL" smtClean="0"/>
               <a:pPr/>
-              <a:t>7</a:t>
+              <a:t>6</a:t>
             </a:fld>
             <a:endParaRPr lang="nl-NL"/>
           </a:p>
@@ -10831,14 +10873,6 @@
               </a:rPr>
               <a:t>So bad.</a:t>
             </a:r>
-            <a:endParaRPr lang="en-US" sz="1100" dirty="0" smtClean="0">
-              <a:solidFill>
-                <a:schemeClr val="accent2">
-                  <a:lumMod val="75000"/>
-                </a:schemeClr>
-              </a:solidFill>
-              <a:ea typeface="SimSun" panose="02010600030101010101" pitchFamily="2" charset="-122"/>
-            </a:endParaRPr>
           </a:p>
         </p:txBody>
       </p:sp>
@@ -11262,7 +11296,7 @@
 </p:sld>
 </file>
 
-<file path=ppt/slides/slide8.xml><?xml version="1.0" encoding="utf-8"?>
+<file path=ppt/slides/slide7.xml><?xml version="1.0" encoding="utf-8"?>
 <p:sld xmlns:a="http://schemas.openxmlformats.org/drawingml/2006/main" xmlns:r="http://schemas.openxmlformats.org/officeDocument/2006/relationships" xmlns:p="http://schemas.openxmlformats.org/presentationml/2006/main">
   <p:cSld>
     <p:spTree>
@@ -11302,15 +11336,7 @@
                   <a:srgbClr val="FF8000"/>
                 </a:solidFill>
               </a:rPr>
-              <a:t>Customer review: </a:t>
-            </a:r>
-            <a:r>
-              <a:rPr lang="en-US" dirty="0" smtClean="0">
-                <a:solidFill>
-                  <a:srgbClr val="FF8000"/>
-                </a:solidFill>
-              </a:rPr>
-              <a:t>how helpful are the reviews?</a:t>
+              <a:t>Customer review: how helpful are the reviews?</a:t>
             </a:r>
             <a:endParaRPr lang="nl-NL" dirty="0">
               <a:solidFill>
@@ -11506,7 +11532,7 @@
             <a:fld id="{6AA93A8C-BAD3-4A28-9697-7362C21A21C5}" type="slidenum">
               <a:rPr lang="nl-NL" smtClean="0"/>
               <a:pPr/>
-              <a:t>8</a:t>
+              <a:t>7</a:t>
             </a:fld>
             <a:endParaRPr lang="nl-NL"/>
           </a:p>
@@ -11516,6 +11542,168 @@
     <p:extLst>
       <p:ext uri="{BB962C8B-B14F-4D97-AF65-F5344CB8AC3E}">
         <p14:creationId xmlns:p14="http://schemas.microsoft.com/office/powerpoint/2010/main" val="2879637664"/>
+      </p:ext>
+    </p:extLst>
+  </p:cSld>
+  <p:clrMapOvr>
+    <a:masterClrMapping/>
+  </p:clrMapOvr>
+  <p:timing>
+    <p:tnLst>
+      <p:par>
+        <p:cTn id="1" dur="indefinite" restart="never" nodeType="tmRoot"/>
+      </p:par>
+    </p:tnLst>
+  </p:timing>
+</p:sld>
+</file>
+
+<file path=ppt/slides/slide8.xml><?xml version="1.0" encoding="utf-8"?>
+<p:sld xmlns:a="http://schemas.openxmlformats.org/drawingml/2006/main" xmlns:r="http://schemas.openxmlformats.org/officeDocument/2006/relationships" xmlns:p="http://schemas.openxmlformats.org/presentationml/2006/main">
+  <p:cSld>
+    <p:spTree>
+      <p:nvGrpSpPr>
+        <p:cNvPr id="1" name=""/>
+        <p:cNvGrpSpPr/>
+        <p:nvPr/>
+      </p:nvGrpSpPr>
+      <p:grpSpPr>
+        <a:xfrm>
+          <a:off x="0" y="0"/>
+          <a:ext cx="0" cy="0"/>
+          <a:chOff x="0" y="0"/>
+          <a:chExt cx="0" cy="0"/>
+        </a:xfrm>
+      </p:grpSpPr>
+      <p:sp>
+        <p:nvSpPr>
+          <p:cNvPr id="2" name="Title 1"/>
+          <p:cNvSpPr>
+            <a:spLocks noGrp="1"/>
+          </p:cNvSpPr>
+          <p:nvPr>
+            <p:ph type="title"/>
+          </p:nvPr>
+        </p:nvSpPr>
+        <p:spPr/>
+        <p:txBody>
+          <a:bodyPr/>
+          <a:lstStyle/>
+          <a:p>
+            <a:r>
+              <a:rPr lang="en-US" dirty="0"/>
+              <a:t>Customer review: sentiment analysis (electronics)</a:t>
+            </a:r>
+            <a:endParaRPr lang="nl-NL" dirty="0"/>
+          </a:p>
+        </p:txBody>
+      </p:sp>
+      <p:sp>
+        <p:nvSpPr>
+          <p:cNvPr id="5" name="Slide Number Placeholder 4"/>
+          <p:cNvSpPr>
+            <a:spLocks noGrp="1"/>
+          </p:cNvSpPr>
+          <p:nvPr>
+            <p:ph type="sldNum" sz="quarter" idx="12"/>
+          </p:nvPr>
+        </p:nvSpPr>
+        <p:spPr/>
+        <p:txBody>
+          <a:bodyPr/>
+          <a:lstStyle/>
+          <a:p>
+            <a:fld id="{6AA93A8C-BAD3-4A28-9697-7362C21A21C5}" type="slidenum">
+              <a:rPr lang="nl-NL" smtClean="0"/>
+              <a:pPr/>
+              <a:t>8</a:t>
+            </a:fld>
+            <a:endParaRPr lang="nl-NL"/>
+          </a:p>
+        </p:txBody>
+      </p:sp>
+      <p:pic>
+        <p:nvPicPr>
+          <p:cNvPr id="15" name="Picture 14"/>
+          <p:cNvPicPr>
+            <a:picLocks noChangeAspect="1"/>
+          </p:cNvPicPr>
+          <p:nvPr/>
+        </p:nvPicPr>
+        <p:blipFill>
+          <a:blip r:embed="rId3"/>
+          <a:stretch>
+            <a:fillRect/>
+          </a:stretch>
+        </p:blipFill>
+        <p:spPr>
+          <a:xfrm>
+            <a:off x="7987553" y="1463851"/>
+            <a:ext cx="3420000" cy="2442282"/>
+          </a:xfrm>
+          <a:prstGeom prst="rect">
+            <a:avLst/>
+          </a:prstGeom>
+        </p:spPr>
+      </p:pic>
+      <p:pic>
+        <p:nvPicPr>
+          <p:cNvPr id="24" name="Picture 23"/>
+          <p:cNvPicPr>
+            <a:picLocks noChangeAspect="1"/>
+          </p:cNvPicPr>
+          <p:nvPr/>
+        </p:nvPicPr>
+        <p:blipFill>
+          <a:blip r:embed="rId4"/>
+          <a:stretch>
+            <a:fillRect/>
+          </a:stretch>
+        </p:blipFill>
+        <p:spPr>
+          <a:xfrm>
+            <a:off x="7987553" y="3952344"/>
+            <a:ext cx="3420152" cy="2426418"/>
+          </a:xfrm>
+          <a:prstGeom prst="rect">
+            <a:avLst/>
+          </a:prstGeom>
+        </p:spPr>
+      </p:pic>
+      <p:sp>
+        <p:nvSpPr>
+          <p:cNvPr id="25" name="Content Placeholder 24"/>
+          <p:cNvSpPr>
+            <a:spLocks noGrp="1"/>
+          </p:cNvSpPr>
+          <p:nvPr>
+            <p:ph sz="half" idx="1"/>
+          </p:nvPr>
+        </p:nvSpPr>
+        <p:spPr/>
+        <p:txBody>
+          <a:bodyPr/>
+          <a:lstStyle/>
+          <a:p>
+            <a:r>
+              <a:rPr lang="en-US" dirty="0" smtClean="0"/>
+              <a:t>Observations</a:t>
+            </a:r>
+          </a:p>
+          <a:p>
+            <a:pPr lvl="1"/>
+            <a:r>
+              <a:rPr lang="en-US" dirty="0" smtClean="0"/>
+              <a:t>While </a:t>
+            </a:r>
+            <a:endParaRPr lang="nl-NL" dirty="0"/>
+          </a:p>
+        </p:txBody>
+      </p:sp>
+    </p:spTree>
+    <p:extLst>
+      <p:ext uri="{BB962C8B-B14F-4D97-AF65-F5344CB8AC3E}">
+        <p14:creationId xmlns:p14="http://schemas.microsoft.com/office/powerpoint/2010/main" val="1261164357"/>
       </p:ext>
     </p:extLst>
   </p:cSld>
@@ -11566,11 +11754,7 @@
           <a:p>
             <a:r>
               <a:rPr lang="en-US" dirty="0" smtClean="0"/>
-              <a:t>Customer review: </a:t>
-            </a:r>
-            <a:r>
-              <a:rPr lang="en-US" dirty="0" smtClean="0"/>
-              <a:t>what do customers say (electronics)?</a:t>
+              <a:t>Customer review: what do customers say (electronics)?</a:t>
             </a:r>
             <a:endParaRPr lang="nl-NL" dirty="0"/>
           </a:p>
@@ -11622,8 +11806,8 @@
         </p:blipFill>
         <p:spPr>
           <a:xfrm>
-            <a:off x="123547" y="1560694"/>
-            <a:ext cx="3975849" cy="2124000"/>
+            <a:off x="123550" y="1560694"/>
+            <a:ext cx="3975843" cy="2124000"/>
           </a:xfrm>
           <a:prstGeom prst="rect">
             <a:avLst/>
@@ -11652,8 +11836,8 @@
         </p:blipFill>
         <p:spPr>
           <a:xfrm>
-            <a:off x="4099396" y="1560694"/>
-            <a:ext cx="3975849" cy="2124000"/>
+            <a:off x="4099399" y="1560694"/>
+            <a:ext cx="3975843" cy="2124000"/>
           </a:xfrm>
           <a:prstGeom prst="rect">
             <a:avLst/>
@@ -11682,8 +11866,8 @@
         </p:blipFill>
         <p:spPr>
           <a:xfrm>
-            <a:off x="8075245" y="1560694"/>
-            <a:ext cx="3975849" cy="2124000"/>
+            <a:off x="8075248" y="1560694"/>
+            <a:ext cx="3975843" cy="2124000"/>
           </a:xfrm>
           <a:prstGeom prst="rect">
             <a:avLst/>
@@ -11712,8 +11896,8 @@
         </p:blipFill>
         <p:spPr>
           <a:xfrm>
-            <a:off x="2111471" y="4060310"/>
-            <a:ext cx="3975849" cy="2124000"/>
+            <a:off x="2111474" y="4060310"/>
+            <a:ext cx="3975843" cy="2124000"/>
           </a:xfrm>
           <a:prstGeom prst="rect">
             <a:avLst/>
@@ -11742,8 +11926,8 @@
         </p:blipFill>
         <p:spPr>
           <a:xfrm>
-            <a:off x="6087322" y="4060310"/>
-            <a:ext cx="3975849" cy="2124000"/>
+            <a:off x="6087325" y="4060310"/>
+            <a:ext cx="3975843" cy="2124000"/>
           </a:xfrm>
           <a:prstGeom prst="rect">
             <a:avLst/>
